--- a/Apresentacao/Apresentacao-andre.pptx
+++ b/Apresentacao/Apresentacao-andre.pptx
@@ -42,21 +42,21 @@
   <p:notesSz cx="6858000" cy="9144000"/>
   <p:embeddedFontLst>
     <p:embeddedFont>
-      <p:font typeface="Montserrat" panose="020B0604020202020204" charset="0"/>
+      <p:font typeface="Playfair Display"/>
       <p:regular r:id="rId32"/>
       <p:bold r:id="rId33"/>
+      <p:italic r:id="rId34"/>
+      <p:boldItalic r:id="rId35"/>
+    </p:embeddedFont>
+    <p:embeddedFont>
+      <p:font typeface="Montserrat" panose="020B0604020202020204" charset="0"/>
+      <p:regular r:id="rId36"/>
+      <p:bold r:id="rId37"/>
     </p:embeddedFont>
     <p:embeddedFont>
       <p:font typeface="Oswald" panose="020B0604020202020204" charset="0"/>
-      <p:regular r:id="rId34"/>
-      <p:bold r:id="rId35"/>
-    </p:embeddedFont>
-    <p:embeddedFont>
-      <p:font typeface="Playfair Display"/>
-      <p:regular r:id="rId36"/>
-      <p:bold r:id="rId37"/>
-      <p:italic r:id="rId38"/>
-      <p:boldItalic r:id="rId39"/>
+      <p:regular r:id="rId38"/>
+      <p:bold r:id="rId39"/>
     </p:embeddedFont>
     <p:embeddedFont>
       <p:font typeface="Trebuchet MS" panose="020B0603020202020204" pitchFamily="34" charset="0"/>
@@ -743,13 +743,90 @@
           </a:bodyPr>
           <a:lstStyle/>
           <a:p>
-            <a:pPr lvl="0" rtl="0">
-              <a:spcBef>
-                <a:spcPts val="0"/>
-              </a:spcBef>
-              <a:buNone/>
-            </a:pPr>
-            <a:endParaRPr/>
+            <a:pPr marL="171450" lvl="0" indent="-171450" rtl="0">
+              <a:spcBef>
+                <a:spcPts val="0"/>
+              </a:spcBef>
+              <a:buFontTx/>
+              <a:buChar char="-"/>
+            </a:pPr>
+            <a:r>
+              <a:rPr lang="en-US" dirty="0" err="1" smtClean="0"/>
+              <a:t>Reserva</a:t>
+            </a:r>
+            <a:r>
+              <a:rPr lang="en-US" dirty="0" smtClean="0"/>
+              <a:t>:</a:t>
+            </a:r>
+            <a:r>
+              <a:rPr lang="en-US" baseline="0" dirty="0" smtClean="0"/>
+              <a:t> Exemplar – </a:t>
+            </a:r>
+            <a:r>
+              <a:rPr lang="en-US" baseline="0" dirty="0" err="1" smtClean="0"/>
+              <a:t>Utilizador</a:t>
+            </a:r>
+            <a:endParaRPr lang="en-US" baseline="0" dirty="0" smtClean="0"/>
+          </a:p>
+          <a:p>
+            <a:pPr marL="171450" lvl="0" indent="-171450" rtl="0">
+              <a:spcBef>
+                <a:spcPts val="0"/>
+              </a:spcBef>
+              <a:buFontTx/>
+              <a:buChar char="-"/>
+            </a:pPr>
+            <a:r>
+              <a:rPr lang="en-US" baseline="0" dirty="0" err="1" smtClean="0"/>
+              <a:t>Publicação</a:t>
+            </a:r>
+            <a:r>
+              <a:rPr lang="en-US" baseline="0" dirty="0" smtClean="0"/>
+              <a:t>: </a:t>
+            </a:r>
+            <a:r>
+              <a:rPr lang="en-US" baseline="0" dirty="0" err="1" smtClean="0"/>
+              <a:t>Livro</a:t>
+            </a:r>
+            <a:r>
+              <a:rPr lang="en-US" baseline="0" dirty="0" smtClean="0"/>
+              <a:t> – </a:t>
+            </a:r>
+            <a:r>
+              <a:rPr lang="en-US" baseline="0" dirty="0" err="1" smtClean="0"/>
+              <a:t>Editora</a:t>
+            </a:r>
+            <a:endParaRPr lang="en-US" baseline="0" dirty="0" smtClean="0"/>
+          </a:p>
+          <a:p>
+            <a:pPr marL="171450" lvl="0" indent="-171450" rtl="0">
+              <a:spcBef>
+                <a:spcPts val="0"/>
+              </a:spcBef>
+              <a:buFontTx/>
+              <a:buChar char="-"/>
+            </a:pPr>
+            <a:r>
+              <a:rPr lang="en-US" baseline="0" dirty="0" err="1" smtClean="0"/>
+              <a:t>Autoria</a:t>
+            </a:r>
+            <a:r>
+              <a:rPr lang="en-US" baseline="0" dirty="0" smtClean="0"/>
+              <a:t>: </a:t>
+            </a:r>
+            <a:r>
+              <a:rPr lang="en-US" baseline="0" dirty="0" err="1" smtClean="0"/>
+              <a:t>Livro</a:t>
+            </a:r>
+            <a:r>
+              <a:rPr lang="en-US" baseline="0" dirty="0" smtClean="0"/>
+              <a:t> - </a:t>
+            </a:r>
+            <a:r>
+              <a:rPr lang="en-US" baseline="0" dirty="0" err="1" smtClean="0"/>
+              <a:t>Autor</a:t>
+            </a:r>
+            <a:endParaRPr dirty="0"/>
           </a:p>
         </p:txBody>
       </p:sp>
@@ -2273,7 +2350,39 @@
               </a:spcBef>
               <a:buNone/>
             </a:pPr>
-            <a:endParaRPr/>
+            <a:r>
+              <a:rPr lang="en-US" dirty="0" smtClean="0"/>
+              <a:t>- </a:t>
+            </a:r>
+            <a:r>
+              <a:rPr lang="en-US" dirty="0" err="1" smtClean="0"/>
+              <a:t>Garantida</a:t>
+            </a:r>
+            <a:r>
+              <a:rPr lang="en-US" baseline="0" dirty="0" smtClean="0"/>
+              <a:t> no </a:t>
+            </a:r>
+            <a:r>
+              <a:rPr lang="en-US" baseline="0" dirty="0" err="1" smtClean="0"/>
+              <a:t>código</a:t>
+            </a:r>
+            <a:r>
+              <a:rPr lang="en-US" baseline="0" dirty="0" smtClean="0"/>
+              <a:t> </a:t>
+            </a:r>
+            <a:r>
+              <a:rPr lang="en-US" baseline="0" dirty="0" err="1" smtClean="0"/>
+              <a:t>sql</a:t>
+            </a:r>
+            <a:r>
+              <a:rPr lang="en-US" baseline="0" dirty="0" smtClean="0"/>
+              <a:t> das </a:t>
+            </a:r>
+            <a:r>
+              <a:rPr lang="en-US" baseline="0" dirty="0" err="1" smtClean="0"/>
+              <a:t>transações</a:t>
+            </a:r>
+            <a:endParaRPr dirty="0"/>
           </a:p>
         </p:txBody>
       </p:sp>
@@ -3684,6 +3793,14 @@
             <a:r>
               <a:rPr lang="en-US" dirty="0" err="1" smtClean="0"/>
               <a:t>Validação</a:t>
+            </a:r>
+            <a:r>
+              <a:rPr lang="en-US" dirty="0" smtClean="0"/>
+              <a:t> antes de passer para </a:t>
+            </a:r>
+            <a:r>
+              <a:rPr lang="en-US" dirty="0" err="1" smtClean="0"/>
+              <a:t>lógico</a:t>
             </a:r>
             <a:endParaRPr dirty="0"/>
           </a:p>
@@ -12478,15 +12595,7 @@
                   <a:srgbClr val="000000"/>
                 </a:solidFill>
               </a:rPr>
-              <a:t>tabela de atributo </a:t>
-            </a:r>
-            <a:r>
-              <a:rPr lang="pt-PT" sz="1400" dirty="0" smtClean="0">
-                <a:solidFill>
-                  <a:srgbClr val="000000"/>
-                </a:solidFill>
-              </a:rPr>
-              <a:t>multivalor</a:t>
+              <a:t>tabela de atributo multivalor</a:t>
             </a:r>
           </a:p>
           <a:p>
@@ -15421,12 +15530,20 @@
               <a:t>Atributo </a:t>
             </a:r>
             <a:r>
-              <a:rPr lang="pt-PT" sz="1300" b="1" dirty="0">
+              <a:rPr lang="pt-PT" sz="1300" b="1" dirty="0" smtClean="0">
                 <a:solidFill>
                   <a:srgbClr val="000000"/>
                 </a:solidFill>
               </a:rPr>
-              <a:t>Disponibilidade</a:t>
+              <a:t>Disponibilidade (INT)</a:t>
+            </a:r>
+            <a:r>
+              <a:rPr lang="pt-PT" sz="1300" dirty="0" smtClean="0">
+                <a:solidFill>
+                  <a:srgbClr val="000000"/>
+                </a:solidFill>
+              </a:rPr>
+              <a:t>, </a:t>
             </a:r>
             <a:r>
               <a:rPr lang="pt-PT" sz="1300" dirty="0">
@@ -15434,7 +15551,7 @@
                   <a:srgbClr val="000000"/>
                 </a:solidFill>
               </a:rPr>
-              <a:t>, na tabela </a:t>
+              <a:t>na tabela </a:t>
             </a:r>
             <a:r>
               <a:rPr lang="pt-PT" sz="1300" b="1" dirty="0">
@@ -15610,12 +15727,20 @@
               <a:t>Atributo </a:t>
             </a:r>
             <a:r>
-              <a:rPr lang="pt-PT" sz="1300" b="1" dirty="0">
+              <a:rPr lang="pt-PT" sz="1300" b="1" dirty="0" smtClean="0">
                 <a:solidFill>
                   <a:srgbClr val="000000"/>
                 </a:solidFill>
               </a:rPr>
-              <a:t>Estado</a:t>
+              <a:t>Estado (INT)</a:t>
+            </a:r>
+            <a:r>
+              <a:rPr lang="pt-PT" sz="1300" dirty="0" smtClean="0">
+                <a:solidFill>
+                  <a:srgbClr val="000000"/>
+                </a:solidFill>
+              </a:rPr>
+              <a:t>, </a:t>
             </a:r>
             <a:r>
               <a:rPr lang="pt-PT" sz="1300" dirty="0">
@@ -15623,7 +15748,7 @@
                   <a:srgbClr val="000000"/>
                 </a:solidFill>
               </a:rPr>
-              <a:t>, na tabela </a:t>
+              <a:t>na tabela </a:t>
             </a:r>
             <a:r>
               <a:rPr lang="pt-PT" sz="1300" b="1" dirty="0">
@@ -16010,12 +16135,20 @@
               <a:t>Atributo </a:t>
             </a:r>
             <a:r>
-              <a:rPr lang="pt-PT" sz="1300" b="1" dirty="0">
+              <a:rPr lang="pt-PT" sz="1300" b="1" dirty="0" smtClean="0">
                 <a:solidFill>
                   <a:schemeClr val="dk1"/>
                 </a:solidFill>
               </a:rPr>
-              <a:t>Tipo</a:t>
+              <a:t>Tipo </a:t>
+            </a:r>
+            <a:r>
+              <a:rPr lang="pt-PT" sz="1300" b="1" dirty="0" smtClean="0">
+                <a:solidFill>
+                  <a:schemeClr val="dk1"/>
+                </a:solidFill>
+              </a:rPr>
+              <a:t>(VARCHAR(2)) </a:t>
             </a:r>
             <a:r>
               <a:rPr lang="pt-PT" sz="1300" dirty="0">
@@ -16023,7 +16156,7 @@
                   <a:schemeClr val="dk1"/>
                 </a:solidFill>
               </a:rPr>
-              <a:t> na tabela </a:t>
+              <a:t>na tabela </a:t>
             </a:r>
             <a:r>
               <a:rPr lang="pt-PT" sz="1300" b="1" dirty="0" smtClean="0">
@@ -16343,12 +16476,20 @@
               <a:t>Atributo </a:t>
             </a:r>
             <a:r>
-              <a:rPr lang="pt-PT" sz="1300" b="1" dirty="0">
+              <a:rPr lang="pt-PT" sz="1300" b="1" dirty="0" smtClean="0">
                 <a:solidFill>
                   <a:schemeClr val="dk1"/>
                 </a:solidFill>
               </a:rPr>
-              <a:t>Estado</a:t>
+              <a:t>Estado </a:t>
+            </a:r>
+            <a:r>
+              <a:rPr lang="pt-PT" sz="1300" b="1" dirty="0" smtClean="0">
+                <a:solidFill>
+                  <a:schemeClr val="dk1"/>
+                </a:solidFill>
+              </a:rPr>
+              <a:t>(INT) </a:t>
             </a:r>
             <a:r>
               <a:rPr lang="pt-PT" sz="1300" dirty="0">
@@ -16356,7 +16497,7 @@
                   <a:schemeClr val="dk1"/>
                 </a:solidFill>
               </a:rPr>
-              <a:t> na tabela resultante do relacionamento </a:t>
+              <a:t>na tabela resultante do relacionamento </a:t>
             </a:r>
             <a:r>
               <a:rPr lang="pt-PT" sz="1300" b="1" dirty="0">
@@ -17624,17 +17765,16 @@
                   <a:srgbClr val="000000"/>
                 </a:solidFill>
               </a:rPr>
-              <a:t>Valores de chave primária não nulos</a:t>
-            </a:r>
-          </a:p>
-          <a:p>
-            <a:pPr marL="171450" lvl="0" indent="-171450" rtl="0">
-              <a:spcBef>
-                <a:spcPts val="0"/>
-              </a:spcBef>
-              <a:buFont typeface="Arial" panose="020B0604020202020204" pitchFamily="34" charset="0"/>
-              <a:buChar char="•"/>
-            </a:pPr>
+              <a:t>Valores de chave primária não </a:t>
+            </a:r>
+            <a:r>
+              <a:rPr lang="pt-PT" sz="1400" dirty="0" smtClean="0">
+                <a:solidFill>
+                  <a:srgbClr val="000000"/>
+                </a:solidFill>
+              </a:rPr>
+              <a:t>nulos</a:t>
+            </a:r>
             <a:endParaRPr sz="600" dirty="0">
               <a:solidFill>
                 <a:srgbClr val="000000"/>
@@ -17659,8 +17799,42 @@
                   <a:srgbClr val="000000"/>
                 </a:solidFill>
               </a:rPr>
-              <a:t>Não existem valores de chaves primárias iguais</a:t>
-            </a:r>
+              <a:t>Não existem valores de chaves primárias </a:t>
+            </a:r>
+            <a:r>
+              <a:rPr lang="pt-PT" sz="1400" dirty="0" smtClean="0">
+                <a:solidFill>
+                  <a:srgbClr val="000000"/>
+                </a:solidFill>
+              </a:rPr>
+              <a:t>iguais</a:t>
+            </a:r>
+          </a:p>
+          <a:p>
+            <a:pPr marL="457200" lvl="0" indent="-317500" rtl="0">
+              <a:spcBef>
+                <a:spcPts val="0"/>
+              </a:spcBef>
+              <a:buClr>
+                <a:srgbClr val="000000"/>
+              </a:buClr>
+              <a:buSzPct val="100000"/>
+              <a:buFont typeface="Arial" panose="020B0604020202020204" pitchFamily="34" charset="0"/>
+              <a:buChar char="•"/>
+            </a:pPr>
+            <a:r>
+              <a:rPr lang="pt-PT" sz="1400" dirty="0" smtClean="0">
+                <a:solidFill>
+                  <a:srgbClr val="000000"/>
+                </a:solidFill>
+              </a:rPr>
+              <a:t>Garantida pelo SGBD</a:t>
+            </a:r>
+            <a:endParaRPr lang="pt-PT" sz="1400" dirty="0">
+              <a:solidFill>
+                <a:srgbClr val="000000"/>
+              </a:solidFill>
+            </a:endParaRPr>
           </a:p>
           <a:p>
             <a:pPr lvl="0" indent="457200" rtl="0">
@@ -20722,7 +20896,7 @@
                 <a:cs typeface="Trebuchet MS"/>
                 <a:sym typeface="Trebuchet MS"/>
               </a:rPr>
-              <a:t>Vistas</a:t>
+              <a:t>2 Utilizadores</a:t>
             </a:r>
           </a:p>
           <a:p>
@@ -20747,7 +20921,56 @@
                 <a:cs typeface="Trebuchet MS"/>
                 <a:sym typeface="Trebuchet MS"/>
               </a:rPr>
-              <a:t>Permissões de acesso</a:t>
+              <a:t>Permissões </a:t>
+            </a:r>
+            <a:r>
+              <a:rPr lang="pt-PT" sz="2000" dirty="0" smtClean="0">
+                <a:solidFill>
+                  <a:schemeClr val="dk1"/>
+                </a:solidFill>
+                <a:latin typeface="Trebuchet MS"/>
+                <a:ea typeface="Trebuchet MS"/>
+                <a:cs typeface="Trebuchet MS"/>
+                <a:sym typeface="Trebuchet MS"/>
+              </a:rPr>
+              <a:t>de </a:t>
+            </a:r>
+            <a:r>
+              <a:rPr lang="pt-PT" sz="2000" dirty="0" smtClean="0">
+                <a:solidFill>
+                  <a:schemeClr val="dk1"/>
+                </a:solidFill>
+                <a:latin typeface="Trebuchet MS"/>
+                <a:ea typeface="Trebuchet MS"/>
+                <a:cs typeface="Trebuchet MS"/>
+                <a:sym typeface="Trebuchet MS"/>
+              </a:rPr>
+              <a:t>acesso</a:t>
+            </a:r>
+          </a:p>
+          <a:p>
+            <a:pPr marL="457200" lvl="0" indent="-381000" rtl="0">
+              <a:spcBef>
+                <a:spcPts val="0"/>
+              </a:spcBef>
+              <a:buClr>
+                <a:schemeClr val="dk1"/>
+              </a:buClr>
+              <a:buSzPct val="100000"/>
+              <a:buFont typeface="Trebuchet MS"/>
+              <a:buChar char="●"/>
+            </a:pPr>
+            <a:r>
+              <a:rPr lang="pt-PT" sz="2000" dirty="0" smtClean="0">
+                <a:solidFill>
+                  <a:schemeClr val="dk1"/>
+                </a:solidFill>
+                <a:latin typeface="Trebuchet MS"/>
+                <a:ea typeface="Trebuchet MS"/>
+                <a:cs typeface="Trebuchet MS"/>
+                <a:sym typeface="Trebuchet MS"/>
+              </a:rPr>
+              <a:t>Vistas</a:t>
             </a:r>
             <a:r>
               <a:rPr lang="pt-PT" sz="2000" dirty="0">
@@ -21906,8 +22129,13 @@
             </a:pPr>
             <a:r>
               <a:rPr lang="pt-PT" sz="1800" dirty="0"/>
-              <a:t>Base de dados para gestão de documentos bibliográficos</a:t>
-            </a:r>
+              <a:t>Base de dados para gestão de </a:t>
+            </a:r>
+            <a:r>
+              <a:rPr lang="pt-PT" sz="1800" dirty="0" smtClean="0"/>
+              <a:t>livros</a:t>
+            </a:r>
+            <a:endParaRPr lang="pt-PT" sz="1800" dirty="0"/>
           </a:p>
           <a:p>
             <a:pPr marL="457200" lvl="0" indent="-342900" rtl="0">
@@ -21926,8 +22154,13 @@
             </a:pPr>
             <a:r>
               <a:rPr lang="pt-PT" sz="1800" dirty="0"/>
-              <a:t>Inspirado no sistema da Biblioteca Geral da Universidade do Minho</a:t>
-            </a:r>
+              <a:t>Inspirado no sistema da Biblioteca Geral da Universidade do </a:t>
+            </a:r>
+            <a:r>
+              <a:rPr lang="pt-PT" sz="1800" dirty="0" smtClean="0"/>
+              <a:t>Minho (BGUM)</a:t>
+            </a:r>
+            <a:endParaRPr lang="pt-PT" sz="1800" dirty="0"/>
           </a:p>
           <a:p>
             <a:pPr marL="0" lvl="0" indent="0" rtl="0">
@@ -21983,7 +22216,11 @@
             </a:pPr>
             <a:r>
               <a:rPr lang="pt-PT" sz="1800" dirty="0"/>
-              <a:t>Empréstimo de publicações para leitura domiciliária</a:t>
+              <a:t>Empréstimo de </a:t>
+            </a:r>
+            <a:r>
+              <a:rPr lang="pt-PT" sz="1800" dirty="0" smtClean="0"/>
+              <a:t>exemplares</a:t>
             </a:r>
           </a:p>
           <a:p>
@@ -21996,9 +22233,18 @@
               <a:buChar char="•"/>
             </a:pPr>
             <a:r>
+              <a:rPr lang="pt-PT" sz="1800" dirty="0" smtClean="0"/>
+              <a:t>Reserva </a:t>
+            </a:r>
+            <a:r>
               <a:rPr lang="pt-PT" sz="1800" dirty="0"/>
-              <a:t>Reserva de publicações para leitura domiciliária</a:t>
-            </a:r>
+              <a:t>de </a:t>
+            </a:r>
+            <a:r>
+              <a:rPr lang="pt-PT" sz="1800" dirty="0" smtClean="0"/>
+              <a:t>exemplares</a:t>
+            </a:r>
+            <a:endParaRPr lang="pt-PT" sz="1800" dirty="0"/>
           </a:p>
         </p:txBody>
       </p:sp>
@@ -22958,27 +23204,7 @@
             </a:r>
             <a:r>
               <a:rPr lang="pt-PT" sz="1800" dirty="0" smtClean="0"/>
-              <a:t>Utilizador, </a:t>
-            </a:r>
-            <a:r>
-              <a:rPr lang="pt-PT" sz="1800" dirty="0" smtClean="0"/>
-              <a:t>Livro, Autor</a:t>
-            </a:r>
-            <a:r>
-              <a:rPr lang="pt-PT" sz="1800" dirty="0" smtClean="0"/>
-              <a:t>, </a:t>
-            </a:r>
-            <a:r>
-              <a:rPr lang="pt-PT" sz="1800" dirty="0" smtClean="0"/>
-              <a:t>Editora</a:t>
-            </a:r>
-            <a:r>
-              <a:rPr lang="pt-PT" sz="1800" dirty="0" smtClean="0"/>
-              <a:t>, </a:t>
-            </a:r>
-            <a:r>
-              <a:rPr lang="pt-PT" sz="1800" dirty="0" smtClean="0"/>
-              <a:t>Coleção</a:t>
+              <a:t>Utilizador, Livro, Autor, Editora, Coleção</a:t>
             </a:r>
           </a:p>
           <a:p>
@@ -23319,8 +23545,77 @@
             </a:r>
             <a:r>
               <a:rPr lang="pt-PT" sz="2000" dirty="0" smtClean="0"/>
-              <a:t>usadas na validação</a:t>
-            </a:r>
+              <a:t>usadas na validação:</a:t>
+            </a:r>
+          </a:p>
+          <a:p>
+            <a:pPr marL="914400" lvl="1" indent="-317500">
+              <a:lnSpc>
+                <a:spcPct val="115000"/>
+              </a:lnSpc>
+              <a:buClr>
+                <a:srgbClr val="000000"/>
+              </a:buClr>
+              <a:buFont typeface="Arial" panose="020B0604020202020204" pitchFamily="34" charset="0"/>
+              <a:buChar char="•"/>
+            </a:pPr>
+            <a:r>
+              <a:rPr lang="pt-BR" sz="1400" dirty="0">
+                <a:solidFill>
+                  <a:srgbClr val="002060"/>
+                </a:solidFill>
+              </a:rPr>
+              <a:t>Qual(is) a(s) localização(ões) (piso, estante e prateleira) dos exemplares de um livro com determinado título?</a:t>
+            </a:r>
+          </a:p>
+          <a:p>
+            <a:pPr marL="914400" lvl="1" indent="-317500">
+              <a:lnSpc>
+                <a:spcPct val="115000"/>
+              </a:lnSpc>
+              <a:buClr>
+                <a:srgbClr val="000000"/>
+              </a:buClr>
+              <a:buFont typeface="Arial" panose="020B0604020202020204" pitchFamily="34" charset="0"/>
+              <a:buChar char="•"/>
+            </a:pPr>
+            <a:r>
+              <a:rPr lang="pt-BR" sz="1400" dirty="0">
+                <a:solidFill>
+                  <a:srgbClr val="002060"/>
+                </a:solidFill>
+              </a:rPr>
+              <a:t>Efetuar requisição</a:t>
+            </a:r>
+          </a:p>
+          <a:p>
+            <a:pPr marL="914400" lvl="1" indent="-317500">
+              <a:lnSpc>
+                <a:spcPct val="115000"/>
+              </a:lnSpc>
+              <a:buClr>
+                <a:srgbClr val="000000"/>
+              </a:buClr>
+              <a:buFont typeface="Arial" panose="020B0604020202020204" pitchFamily="34" charset="0"/>
+              <a:buChar char="•"/>
+            </a:pPr>
+            <a:r>
+              <a:rPr lang="pt-BR" sz="1400" dirty="0">
+                <a:solidFill>
+                  <a:srgbClr val="002060"/>
+                </a:solidFill>
+              </a:rPr>
+              <a:t>Efetuar uma reserva</a:t>
+            </a:r>
+          </a:p>
+          <a:p>
+            <a:pPr marL="342900" lvl="0" indent="-342900" rtl="0">
+              <a:spcBef>
+                <a:spcPts val="0"/>
+              </a:spcBef>
+              <a:buFont typeface="Arial" panose="020B0604020202020204" pitchFamily="34" charset="0"/>
+              <a:buChar char="•"/>
+            </a:pPr>
             <a:endParaRPr lang="pt-PT" sz="2000" dirty="0"/>
           </a:p>
           <a:p>
@@ -23614,84 +23909,6 @@
       </p:sp>
       <p:sp>
         <p:nvSpPr>
-          <p:cNvPr id="156" name="Shape 156"/>
-          <p:cNvSpPr txBox="1"/>
-          <p:nvPr/>
-        </p:nvSpPr>
-        <p:spPr>
-          <a:xfrm>
-            <a:off x="669900" y="4749850"/>
-            <a:ext cx="7804199" cy="250499"/>
-          </a:xfrm>
-          <a:prstGeom prst="rect">
-            <a:avLst/>
-          </a:prstGeom>
-          <a:noFill/>
-          <a:ln>
-            <a:noFill/>
-          </a:ln>
-        </p:spPr>
-        <p:txBody>
-          <a:bodyPr lIns="91425" tIns="91425" rIns="91425" bIns="91425" anchor="t" anchorCtr="0">
-            <a:noAutofit/>
-          </a:bodyPr>
-          <a:lstStyle/>
-          <a:p>
-            <a:pPr lvl="0" rtl="0">
-              <a:spcBef>
-                <a:spcPts val="0"/>
-              </a:spcBef>
-              <a:buNone/>
-            </a:pPr>
-            <a:r>
-              <a:rPr lang="pt-PT" sz="1100" i="1"/>
-              <a:t>Grupo 8,Unidade Curricular de </a:t>
-            </a:r>
-            <a:r>
-              <a:rPr lang="pt-PT" sz="1100" i="1">
-                <a:solidFill>
-                  <a:schemeClr val="dk1"/>
-                </a:solidFill>
-              </a:rPr>
-              <a:t>Base de Dados,</a:t>
-            </a:r>
-            <a:r>
-              <a:rPr lang="pt-PT" sz="1100" i="1"/>
-              <a:t> Gestão de Dados - Biblioteca</a:t>
-            </a:r>
-          </a:p>
-        </p:txBody>
-      </p:sp>
-      <p:pic>
-        <p:nvPicPr>
-          <p:cNvPr id="157" name="Shape 157"/>
-          <p:cNvPicPr preferRelativeResize="0"/>
-          <p:nvPr/>
-        </p:nvPicPr>
-        <p:blipFill>
-          <a:blip r:embed="rId3">
-            <a:alphaModFix/>
-          </a:blip>
-          <a:stretch>
-            <a:fillRect/>
-          </a:stretch>
-        </p:blipFill>
-        <p:spPr>
-          <a:xfrm>
-            <a:off x="1198500" y="411850"/>
-            <a:ext cx="6746999" cy="4319775"/>
-          </a:xfrm>
-          <a:prstGeom prst="rect">
-            <a:avLst/>
-          </a:prstGeom>
-          <a:noFill/>
-          <a:ln>
-            <a:noFill/>
-          </a:ln>
-        </p:spPr>
-      </p:pic>
-      <p:sp>
-        <p:nvSpPr>
           <p:cNvPr id="158" name="Shape 158"/>
           <p:cNvSpPr txBox="1">
             <a:spLocks noGrp="1"/>
@@ -23729,6 +23946,36 @@
           </a:p>
         </p:txBody>
       </p:sp>
+      <p:pic>
+        <p:nvPicPr>
+          <p:cNvPr id="3" name="Picture 2"/>
+          <p:cNvPicPr>
+            <a:picLocks noChangeAspect="1"/>
+          </p:cNvPicPr>
+          <p:nvPr/>
+        </p:nvPicPr>
+        <p:blipFill>
+          <a:blip r:embed="rId3">
+            <a:extLst>
+              <a:ext uri="{28A0092B-C50C-407E-A947-70E740481C1C}">
+                <a14:useLocalDpi xmlns:a14="http://schemas.microsoft.com/office/drawing/2010/main" val="0"/>
+              </a:ext>
+            </a:extLst>
+          </a:blip>
+          <a:stretch>
+            <a:fillRect/>
+          </a:stretch>
+        </p:blipFill>
+        <p:spPr>
+          <a:xfrm>
+            <a:off x="1620777" y="504356"/>
+            <a:ext cx="5890110" cy="4738976"/>
+          </a:xfrm>
+          <a:prstGeom prst="rect">
+            <a:avLst/>
+          </a:prstGeom>
+        </p:spPr>
+      </p:pic>
     </p:spTree>
   </p:cSld>
   <p:clrMapOvr>

--- a/Apresentacao/Apresentacao-andre.pptx
+++ b/Apresentacao/Apresentacao-andre.pptx
@@ -6,64 +6,63 @@
     <p:sldMasterId id="2147483666" r:id="rId2"/>
   </p:sldMasterIdLst>
   <p:notesMasterIdLst>
-    <p:notesMasterId r:id="rId31"/>
+    <p:notesMasterId r:id="rId30"/>
   </p:notesMasterIdLst>
   <p:sldIdLst>
     <p:sldId id="256" r:id="rId3"/>
     <p:sldId id="257" r:id="rId4"/>
     <p:sldId id="258" r:id="rId5"/>
-    <p:sldId id="259" r:id="rId6"/>
+    <p:sldId id="288" r:id="rId6"/>
     <p:sldId id="260" r:id="rId7"/>
     <p:sldId id="261" r:id="rId8"/>
     <p:sldId id="283" r:id="rId9"/>
     <p:sldId id="262" r:id="rId10"/>
     <p:sldId id="263" r:id="rId11"/>
-    <p:sldId id="264" r:id="rId12"/>
-    <p:sldId id="265" r:id="rId13"/>
-    <p:sldId id="266" r:id="rId14"/>
-    <p:sldId id="267" r:id="rId15"/>
-    <p:sldId id="268" r:id="rId16"/>
-    <p:sldId id="269" r:id="rId17"/>
-    <p:sldId id="270" r:id="rId18"/>
-    <p:sldId id="271" r:id="rId19"/>
-    <p:sldId id="272" r:id="rId20"/>
-    <p:sldId id="273" r:id="rId21"/>
-    <p:sldId id="274" r:id="rId22"/>
-    <p:sldId id="275" r:id="rId23"/>
-    <p:sldId id="276" r:id="rId24"/>
-    <p:sldId id="277" r:id="rId25"/>
-    <p:sldId id="278" r:id="rId26"/>
-    <p:sldId id="279" r:id="rId27"/>
-    <p:sldId id="280" r:id="rId28"/>
-    <p:sldId id="281" r:id="rId29"/>
-    <p:sldId id="282" r:id="rId30"/>
+    <p:sldId id="287" r:id="rId12"/>
+    <p:sldId id="266" r:id="rId13"/>
+    <p:sldId id="267" r:id="rId14"/>
+    <p:sldId id="268" r:id="rId15"/>
+    <p:sldId id="269" r:id="rId16"/>
+    <p:sldId id="270" r:id="rId17"/>
+    <p:sldId id="271" r:id="rId18"/>
+    <p:sldId id="272" r:id="rId19"/>
+    <p:sldId id="273" r:id="rId20"/>
+    <p:sldId id="284" r:id="rId21"/>
+    <p:sldId id="275" r:id="rId22"/>
+    <p:sldId id="276" r:id="rId23"/>
+    <p:sldId id="286" r:id="rId24"/>
+    <p:sldId id="285" r:id="rId25"/>
+    <p:sldId id="279" r:id="rId26"/>
+    <p:sldId id="280" r:id="rId27"/>
+    <p:sldId id="281" r:id="rId28"/>
+    <p:sldId id="282" r:id="rId29"/>
   </p:sldIdLst>
   <p:sldSz cx="9144000" cy="5143500" type="screen16x9"/>
   <p:notesSz cx="6858000" cy="9144000"/>
   <p:embeddedFontLst>
     <p:embeddedFont>
       <p:font typeface="Playfair Display"/>
-      <p:regular r:id="rId32"/>
-      <p:bold r:id="rId33"/>
-      <p:italic r:id="rId34"/>
-      <p:boldItalic r:id="rId35"/>
+      <p:regular r:id="rId31"/>
+      <p:bold r:id="rId32"/>
+      <p:italic r:id="rId33"/>
+      <p:boldItalic r:id="rId34"/>
+    </p:embeddedFont>
+    <p:embeddedFont>
+      <p:font typeface="Trebuchet MS" panose="020B0603020202020204" pitchFamily="34" charset="0"/>
+      <p:regular r:id="rId35"/>
+      <p:bold r:id="rId36"/>
+      <p:italic r:id="rId37"/>
+      <p:boldItalic r:id="rId38"/>
     </p:embeddedFont>
     <p:embeddedFont>
       <p:font typeface="Montserrat" panose="020B0604020202020204" charset="0"/>
-      <p:regular r:id="rId36"/>
-      <p:bold r:id="rId37"/>
+      <p:regular r:id="rId39"/>
+      <p:bold r:id="rId40"/>
     </p:embeddedFont>
     <p:embeddedFont>
       <p:font typeface="Oswald" panose="020B0604020202020204" charset="0"/>
-      <p:regular r:id="rId38"/>
-      <p:bold r:id="rId39"/>
-    </p:embeddedFont>
-    <p:embeddedFont>
-      <p:font typeface="Trebuchet MS" panose="020B0603020202020204" pitchFamily="34" charset="0"/>
-      <p:regular r:id="rId40"/>
-      <p:bold r:id="rId41"/>
-      <p:italic r:id="rId42"/>
-      <p:boldItalic r:id="rId43"/>
+      <p:regular r:id="rId41"/>
+      <p:bold r:id="rId42"/>
     </p:embeddedFont>
   </p:embeddedFontLst>
   <p:defaultTextStyle>
@@ -743,97 +742,20 @@
           </a:bodyPr>
           <a:lstStyle/>
           <a:p>
-            <a:pPr marL="171450" lvl="0" indent="-171450" rtl="0">
-              <a:spcBef>
-                <a:spcPts val="0"/>
-              </a:spcBef>
-              <a:buFontTx/>
-              <a:buChar char="-"/>
-            </a:pPr>
-            <a:r>
-              <a:rPr lang="en-US" dirty="0" err="1" smtClean="0"/>
-              <a:t>Reserva</a:t>
-            </a:r>
-            <a:r>
-              <a:rPr lang="en-US" dirty="0" smtClean="0"/>
-              <a:t>:</a:t>
-            </a:r>
-            <a:r>
-              <a:rPr lang="en-US" baseline="0" dirty="0" smtClean="0"/>
-              <a:t> Exemplar – </a:t>
-            </a:r>
-            <a:r>
-              <a:rPr lang="en-US" baseline="0" dirty="0" err="1" smtClean="0"/>
-              <a:t>Utilizador</a:t>
-            </a:r>
-            <a:endParaRPr lang="en-US" baseline="0" dirty="0" smtClean="0"/>
-          </a:p>
-          <a:p>
-            <a:pPr marL="171450" lvl="0" indent="-171450" rtl="0">
-              <a:spcBef>
-                <a:spcPts val="0"/>
-              </a:spcBef>
-              <a:buFontTx/>
-              <a:buChar char="-"/>
-            </a:pPr>
-            <a:r>
-              <a:rPr lang="en-US" baseline="0" dirty="0" err="1" smtClean="0"/>
-              <a:t>Publicação</a:t>
-            </a:r>
-            <a:r>
-              <a:rPr lang="en-US" baseline="0" dirty="0" smtClean="0"/>
-              <a:t>: </a:t>
-            </a:r>
-            <a:r>
-              <a:rPr lang="en-US" baseline="0" dirty="0" err="1" smtClean="0"/>
-              <a:t>Livro</a:t>
-            </a:r>
-            <a:r>
-              <a:rPr lang="en-US" baseline="0" dirty="0" smtClean="0"/>
-              <a:t> – </a:t>
-            </a:r>
-            <a:r>
-              <a:rPr lang="en-US" baseline="0" dirty="0" err="1" smtClean="0"/>
-              <a:t>Editora</a:t>
-            </a:r>
-            <a:endParaRPr lang="en-US" baseline="0" dirty="0" smtClean="0"/>
-          </a:p>
-          <a:p>
-            <a:pPr marL="171450" lvl="0" indent="-171450" rtl="0">
-              <a:spcBef>
-                <a:spcPts val="0"/>
-              </a:spcBef>
-              <a:buFontTx/>
-              <a:buChar char="-"/>
-            </a:pPr>
-            <a:r>
-              <a:rPr lang="en-US" baseline="0" dirty="0" err="1" smtClean="0"/>
-              <a:t>Autoria</a:t>
-            </a:r>
-            <a:r>
-              <a:rPr lang="en-US" baseline="0" dirty="0" smtClean="0"/>
-              <a:t>: </a:t>
-            </a:r>
-            <a:r>
-              <a:rPr lang="en-US" baseline="0" dirty="0" err="1" smtClean="0"/>
-              <a:t>Livro</a:t>
-            </a:r>
-            <a:r>
-              <a:rPr lang="en-US" baseline="0" dirty="0" smtClean="0"/>
-              <a:t> - </a:t>
-            </a:r>
-            <a:r>
-              <a:rPr lang="en-US" baseline="0" dirty="0" err="1" smtClean="0"/>
-              <a:t>Autor</a:t>
-            </a:r>
-            <a:endParaRPr dirty="0"/>
+            <a:pPr lvl="0" rtl="0">
+              <a:spcBef>
+                <a:spcPts val="0"/>
+              </a:spcBef>
+              <a:buNone/>
+            </a:pPr>
+            <a:endParaRPr/>
           </a:p>
         </p:txBody>
       </p:sp>
     </p:spTree>
     <p:extLst>
       <p:ext uri="{BB962C8B-B14F-4D97-AF65-F5344CB8AC3E}">
-        <p14:creationId xmlns:p14="http://schemas.microsoft.com/office/powerpoint/2010/main" val="2629171093"/>
+        <p14:creationId xmlns:p14="http://schemas.microsoft.com/office/powerpoint/2010/main" val="902355761"/>
       </p:ext>
     </p:extLst>
   </p:cSld>
@@ -844,112 +766,6 @@
 </file>
 
 <file path=ppt/notesSlides/notesSlide11.xml><?xml version="1.0" encoding="utf-8"?>
-<p:notes xmlns:a="http://schemas.openxmlformats.org/drawingml/2006/main" xmlns:r="http://schemas.openxmlformats.org/officeDocument/2006/relationships" xmlns:p="http://schemas.openxmlformats.org/presentationml/2006/main" showMasterSp="0" showMasterPhAnim="0">
-  <p:cSld>
-    <p:spTree>
-      <p:nvGrpSpPr>
-        <p:cNvPr id="1" name="Shape 175"/>
-        <p:cNvGrpSpPr/>
-        <p:nvPr/>
-      </p:nvGrpSpPr>
-      <p:grpSpPr>
-        <a:xfrm>
-          <a:off x="0" y="0"/>
-          <a:ext cx="0" cy="0"/>
-          <a:chOff x="0" y="0"/>
-          <a:chExt cx="0" cy="0"/>
-        </a:xfrm>
-      </p:grpSpPr>
-      <p:sp>
-        <p:nvSpPr>
-          <p:cNvPr id="176" name="Shape 176"/>
-          <p:cNvSpPr>
-            <a:spLocks noGrp="1" noRot="1" noChangeAspect="1"/>
-          </p:cNvSpPr>
-          <p:nvPr>
-            <p:ph type="sldImg" idx="2"/>
-          </p:nvPr>
-        </p:nvSpPr>
-        <p:spPr>
-          <a:xfrm>
-            <a:off x="381000" y="685800"/>
-            <a:ext cx="6096000" cy="3429000"/>
-          </a:xfrm>
-          <a:custGeom>
-            <a:avLst/>
-            <a:gdLst/>
-            <a:ahLst/>
-            <a:cxnLst/>
-            <a:rect l="0" t="0" r="0" b="0"/>
-            <a:pathLst>
-              <a:path w="120000" h="120000" extrusionOk="0">
-                <a:moveTo>
-                  <a:pt x="0" y="0"/>
-                </a:moveTo>
-                <a:lnTo>
-                  <a:pt x="120000" y="0"/>
-                </a:lnTo>
-                <a:lnTo>
-                  <a:pt x="120000" y="120000"/>
-                </a:lnTo>
-                <a:lnTo>
-                  <a:pt x="0" y="120000"/>
-                </a:lnTo>
-                <a:close/>
-              </a:path>
-            </a:pathLst>
-          </a:custGeom>
-        </p:spPr>
-      </p:sp>
-      <p:sp>
-        <p:nvSpPr>
-          <p:cNvPr id="177" name="Shape 177"/>
-          <p:cNvSpPr txBox="1">
-            <a:spLocks noGrp="1"/>
-          </p:cNvSpPr>
-          <p:nvPr>
-            <p:ph type="body" idx="1"/>
-          </p:nvPr>
-        </p:nvSpPr>
-        <p:spPr>
-          <a:xfrm>
-            <a:off x="685800" y="4343400"/>
-            <a:ext cx="5486399" cy="4114800"/>
-          </a:xfrm>
-          <a:prstGeom prst="rect">
-            <a:avLst/>
-          </a:prstGeom>
-        </p:spPr>
-        <p:txBody>
-          <a:bodyPr lIns="91425" tIns="91425" rIns="91425" bIns="91425" anchor="t" anchorCtr="0">
-            <a:noAutofit/>
-          </a:bodyPr>
-          <a:lstStyle/>
-          <a:p>
-            <a:pPr lvl="0" rtl="0">
-              <a:spcBef>
-                <a:spcPts val="0"/>
-              </a:spcBef>
-              <a:buNone/>
-            </a:pPr>
-            <a:endParaRPr dirty="0"/>
-          </a:p>
-        </p:txBody>
-      </p:sp>
-    </p:spTree>
-    <p:extLst>
-      <p:ext uri="{BB962C8B-B14F-4D97-AF65-F5344CB8AC3E}">
-        <p14:creationId xmlns:p14="http://schemas.microsoft.com/office/powerpoint/2010/main" val="2987287953"/>
-      </p:ext>
-    </p:extLst>
-  </p:cSld>
-  <p:clrMapOvr>
-    <a:masterClrMapping/>
-  </p:clrMapOvr>
-</p:notes>
-</file>
-
-<file path=ppt/notesSlides/notesSlide12.xml><?xml version="1.0" encoding="utf-8"?>
 <p:notes xmlns:a="http://schemas.openxmlformats.org/drawingml/2006/main" xmlns:r="http://schemas.openxmlformats.org/officeDocument/2006/relationships" xmlns:p="http://schemas.openxmlformats.org/presentationml/2006/main" showMasterSp="0" showMasterPhAnim="0">
   <p:cSld>
     <p:spTree>
@@ -1068,7 +884,7 @@
 </p:notes>
 </file>
 
-<file path=ppt/notesSlides/notesSlide13.xml><?xml version="1.0" encoding="utf-8"?>
+<file path=ppt/notesSlides/notesSlide12.xml><?xml version="1.0" encoding="utf-8"?>
 <p:notes xmlns:a="http://schemas.openxmlformats.org/drawingml/2006/main" xmlns:r="http://schemas.openxmlformats.org/officeDocument/2006/relationships" xmlns:p="http://schemas.openxmlformats.org/presentationml/2006/main" showMasterSp="0" showMasterPhAnim="0">
   <p:cSld>
     <p:spTree>
@@ -1174,7 +990,7 @@
 </p:notes>
 </file>
 
-<file path=ppt/notesSlides/notesSlide14.xml><?xml version="1.0" encoding="utf-8"?>
+<file path=ppt/notesSlides/notesSlide13.xml><?xml version="1.0" encoding="utf-8"?>
 <p:notes xmlns:a="http://schemas.openxmlformats.org/drawingml/2006/main" xmlns:r="http://schemas.openxmlformats.org/officeDocument/2006/relationships" xmlns:p="http://schemas.openxmlformats.org/presentationml/2006/main" showMasterSp="0" showMasterPhAnim="0">
   <p:cSld>
     <p:spTree>
@@ -1331,7 +1147,7 @@
 </p:notes>
 </file>
 
-<file path=ppt/notesSlides/notesSlide15.xml><?xml version="1.0" encoding="utf-8"?>
+<file path=ppt/notesSlides/notesSlide14.xml><?xml version="1.0" encoding="utf-8"?>
 <p:notes xmlns:a="http://schemas.openxmlformats.org/drawingml/2006/main" xmlns:r="http://schemas.openxmlformats.org/officeDocument/2006/relationships" xmlns:p="http://schemas.openxmlformats.org/presentationml/2006/main" showMasterSp="0" showMasterPhAnim="0">
   <p:cSld>
     <p:spTree>
@@ -1437,7 +1253,7 @@
 </p:notes>
 </file>
 
-<file path=ppt/notesSlides/notesSlide16.xml><?xml version="1.0" encoding="utf-8"?>
+<file path=ppt/notesSlides/notesSlide15.xml><?xml version="1.0" encoding="utf-8"?>
 <p:notes xmlns:a="http://schemas.openxmlformats.org/drawingml/2006/main" xmlns:r="http://schemas.openxmlformats.org/officeDocument/2006/relationships" xmlns:p="http://schemas.openxmlformats.org/presentationml/2006/main" showMasterSp="0" showMasterPhAnim="0">
   <p:cSld>
     <p:spTree>
@@ -1543,7 +1359,7 @@
 </p:notes>
 </file>
 
-<file path=ppt/notesSlides/notesSlide17.xml><?xml version="1.0" encoding="utf-8"?>
+<file path=ppt/notesSlides/notesSlide16.xml><?xml version="1.0" encoding="utf-8"?>
 <p:notes xmlns:a="http://schemas.openxmlformats.org/drawingml/2006/main" xmlns:r="http://schemas.openxmlformats.org/officeDocument/2006/relationships" xmlns:p="http://schemas.openxmlformats.org/presentationml/2006/main" showMasterSp="0" showMasterPhAnim="0">
   <p:cSld>
     <p:spTree>
@@ -1777,7 +1593,7 @@
 </p:notes>
 </file>
 
-<file path=ppt/notesSlides/notesSlide18.xml><?xml version="1.0" encoding="utf-8"?>
+<file path=ppt/notesSlides/notesSlide17.xml><?xml version="1.0" encoding="utf-8"?>
 <p:notes xmlns:a="http://schemas.openxmlformats.org/drawingml/2006/main" xmlns:r="http://schemas.openxmlformats.org/officeDocument/2006/relationships" xmlns:p="http://schemas.openxmlformats.org/presentationml/2006/main" showMasterSp="0" showMasterPhAnim="0">
   <p:cSld>
     <p:spTree>
@@ -1903,7 +1719,7 @@
 </p:notes>
 </file>
 
-<file path=ppt/notesSlides/notesSlide19.xml><?xml version="1.0" encoding="utf-8"?>
+<file path=ppt/notesSlides/notesSlide18.xml><?xml version="1.0" encoding="utf-8"?>
 <p:notes xmlns:a="http://schemas.openxmlformats.org/drawingml/2006/main" xmlns:r="http://schemas.openxmlformats.org/officeDocument/2006/relationships" xmlns:p="http://schemas.openxmlformats.org/presentationml/2006/main" showMasterSp="0" showMasterPhAnim="0">
   <p:cSld>
     <p:spTree>
@@ -2020,6 +1836,120 @@
     <p:extLst>
       <p:ext uri="{BB962C8B-B14F-4D97-AF65-F5344CB8AC3E}">
         <p14:creationId xmlns:p14="http://schemas.microsoft.com/office/powerpoint/2010/main" val="363131951"/>
+      </p:ext>
+    </p:extLst>
+  </p:cSld>
+  <p:clrMapOvr>
+    <a:masterClrMapping/>
+  </p:clrMapOvr>
+</p:notes>
+</file>
+
+<file path=ppt/notesSlides/notesSlide19.xml><?xml version="1.0" encoding="utf-8"?>
+<p:notes xmlns:a="http://schemas.openxmlformats.org/drawingml/2006/main" xmlns:r="http://schemas.openxmlformats.org/officeDocument/2006/relationships" xmlns:p="http://schemas.openxmlformats.org/presentationml/2006/main" showMasterSp="0" showMasterPhAnim="0">
+  <p:cSld>
+    <p:spTree>
+      <p:nvGrpSpPr>
+        <p:cNvPr id="1" name="Shape 248"/>
+        <p:cNvGrpSpPr/>
+        <p:nvPr/>
+      </p:nvGrpSpPr>
+      <p:grpSpPr>
+        <a:xfrm>
+          <a:off x="0" y="0"/>
+          <a:ext cx="0" cy="0"/>
+          <a:chOff x="0" y="0"/>
+          <a:chExt cx="0" cy="0"/>
+        </a:xfrm>
+      </p:grpSpPr>
+      <p:sp>
+        <p:nvSpPr>
+          <p:cNvPr id="249" name="Shape 249"/>
+          <p:cNvSpPr>
+            <a:spLocks noGrp="1" noRot="1" noChangeAspect="1"/>
+          </p:cNvSpPr>
+          <p:nvPr>
+            <p:ph type="sldImg" idx="2"/>
+          </p:nvPr>
+        </p:nvSpPr>
+        <p:spPr>
+          <a:xfrm>
+            <a:off x="381000" y="685800"/>
+            <a:ext cx="6096000" cy="3429000"/>
+          </a:xfrm>
+          <a:custGeom>
+            <a:avLst/>
+            <a:gdLst/>
+            <a:ahLst/>
+            <a:cxnLst/>
+            <a:rect l="0" t="0" r="0" b="0"/>
+            <a:pathLst>
+              <a:path w="120000" h="120000" extrusionOk="0">
+                <a:moveTo>
+                  <a:pt x="0" y="0"/>
+                </a:moveTo>
+                <a:lnTo>
+                  <a:pt x="120000" y="0"/>
+                </a:lnTo>
+                <a:lnTo>
+                  <a:pt x="120000" y="120000"/>
+                </a:lnTo>
+                <a:lnTo>
+                  <a:pt x="0" y="120000"/>
+                </a:lnTo>
+                <a:close/>
+              </a:path>
+            </a:pathLst>
+          </a:custGeom>
+        </p:spPr>
+      </p:sp>
+      <p:sp>
+        <p:nvSpPr>
+          <p:cNvPr id="250" name="Shape 250"/>
+          <p:cNvSpPr txBox="1">
+            <a:spLocks noGrp="1"/>
+          </p:cNvSpPr>
+          <p:nvPr>
+            <p:ph type="body" idx="1"/>
+          </p:nvPr>
+        </p:nvSpPr>
+        <p:spPr>
+          <a:xfrm>
+            <a:off x="685800" y="4343400"/>
+            <a:ext cx="5486399" cy="4114800"/>
+          </a:xfrm>
+          <a:prstGeom prst="rect">
+            <a:avLst/>
+          </a:prstGeom>
+        </p:spPr>
+        <p:txBody>
+          <a:bodyPr lIns="91425" tIns="91425" rIns="91425" bIns="91425" anchor="t" anchorCtr="0">
+            <a:noAutofit/>
+          </a:bodyPr>
+          <a:lstStyle/>
+          <a:p>
+            <a:pPr lvl="0" rtl="0">
+              <a:spcBef>
+                <a:spcPts val="0"/>
+              </a:spcBef>
+              <a:buNone/>
+            </a:pPr>
+            <a:r>
+              <a:rPr lang="pt-PT" dirty="0" smtClean="0"/>
+              <a:t>Multiplicidade - </a:t>
+            </a:r>
+            <a:r>
+              <a:rPr lang="pt-PT" baseline="0" dirty="0" smtClean="0"/>
+              <a:t> de relacionamentos entre entidades; foi explicado no conceptual</a:t>
+            </a:r>
+            <a:endParaRPr dirty="0"/>
+          </a:p>
+        </p:txBody>
+      </p:sp>
+    </p:spTree>
+    <p:extLst>
+      <p:ext uri="{BB962C8B-B14F-4D97-AF65-F5344CB8AC3E}">
+        <p14:creationId xmlns:p14="http://schemas.microsoft.com/office/powerpoint/2010/main" val="3653252904"/>
       </p:ext>
     </p:extLst>
   </p:cSld>
@@ -2160,112 +2090,6 @@
   <p:cSld>
     <p:spTree>
       <p:nvGrpSpPr>
-        <p:cNvPr id="1" name="Shape 248"/>
-        <p:cNvGrpSpPr/>
-        <p:nvPr/>
-      </p:nvGrpSpPr>
-      <p:grpSpPr>
-        <a:xfrm>
-          <a:off x="0" y="0"/>
-          <a:ext cx="0" cy="0"/>
-          <a:chOff x="0" y="0"/>
-          <a:chExt cx="0" cy="0"/>
-        </a:xfrm>
-      </p:grpSpPr>
-      <p:sp>
-        <p:nvSpPr>
-          <p:cNvPr id="249" name="Shape 249"/>
-          <p:cNvSpPr>
-            <a:spLocks noGrp="1" noRot="1" noChangeAspect="1"/>
-          </p:cNvSpPr>
-          <p:nvPr>
-            <p:ph type="sldImg" idx="2"/>
-          </p:nvPr>
-        </p:nvSpPr>
-        <p:spPr>
-          <a:xfrm>
-            <a:off x="381000" y="685800"/>
-            <a:ext cx="6096000" cy="3429000"/>
-          </a:xfrm>
-          <a:custGeom>
-            <a:avLst/>
-            <a:gdLst/>
-            <a:ahLst/>
-            <a:cxnLst/>
-            <a:rect l="0" t="0" r="0" b="0"/>
-            <a:pathLst>
-              <a:path w="120000" h="120000" extrusionOk="0">
-                <a:moveTo>
-                  <a:pt x="0" y="0"/>
-                </a:moveTo>
-                <a:lnTo>
-                  <a:pt x="120000" y="0"/>
-                </a:lnTo>
-                <a:lnTo>
-                  <a:pt x="120000" y="120000"/>
-                </a:lnTo>
-                <a:lnTo>
-                  <a:pt x="0" y="120000"/>
-                </a:lnTo>
-                <a:close/>
-              </a:path>
-            </a:pathLst>
-          </a:custGeom>
-        </p:spPr>
-      </p:sp>
-      <p:sp>
-        <p:nvSpPr>
-          <p:cNvPr id="250" name="Shape 250"/>
-          <p:cNvSpPr txBox="1">
-            <a:spLocks noGrp="1"/>
-          </p:cNvSpPr>
-          <p:nvPr>
-            <p:ph type="body" idx="1"/>
-          </p:nvPr>
-        </p:nvSpPr>
-        <p:spPr>
-          <a:xfrm>
-            <a:off x="685800" y="4343400"/>
-            <a:ext cx="5486399" cy="4114800"/>
-          </a:xfrm>
-          <a:prstGeom prst="rect">
-            <a:avLst/>
-          </a:prstGeom>
-        </p:spPr>
-        <p:txBody>
-          <a:bodyPr lIns="91425" tIns="91425" rIns="91425" bIns="91425" anchor="t" anchorCtr="0">
-            <a:noAutofit/>
-          </a:bodyPr>
-          <a:lstStyle/>
-          <a:p>
-            <a:pPr lvl="0" rtl="0">
-              <a:spcBef>
-                <a:spcPts val="0"/>
-              </a:spcBef>
-              <a:buNone/>
-            </a:pPr>
-            <a:endParaRPr dirty="0"/>
-          </a:p>
-        </p:txBody>
-      </p:sp>
-    </p:spTree>
-    <p:extLst>
-      <p:ext uri="{BB962C8B-B14F-4D97-AF65-F5344CB8AC3E}">
-        <p14:creationId xmlns:p14="http://schemas.microsoft.com/office/powerpoint/2010/main" val="1886891504"/>
-      </p:ext>
-    </p:extLst>
-  </p:cSld>
-  <p:clrMapOvr>
-    <a:masterClrMapping/>
-  </p:clrMapOvr>
-</p:notes>
-</file>
-
-<file path=ppt/notesSlides/notesSlide21.xml><?xml version="1.0" encoding="utf-8"?>
-<p:notes xmlns:a="http://schemas.openxmlformats.org/drawingml/2006/main" xmlns:r="http://schemas.openxmlformats.org/officeDocument/2006/relationships" xmlns:p="http://schemas.openxmlformats.org/presentationml/2006/main" showMasterSp="0" showMasterPhAnim="0">
-  <p:cSld>
-    <p:spTree>
-      <p:nvGrpSpPr>
         <p:cNvPr id="1" name="Shape 256"/>
         <p:cNvGrpSpPr/>
         <p:nvPr/>
@@ -2399,7 +2223,7 @@
 </p:notes>
 </file>
 
-<file path=ppt/notesSlides/notesSlide22.xml><?xml version="1.0" encoding="utf-8"?>
+<file path=ppt/notesSlides/notesSlide21.xml><?xml version="1.0" encoding="utf-8"?>
 <p:notes xmlns:a="http://schemas.openxmlformats.org/drawingml/2006/main" xmlns:r="http://schemas.openxmlformats.org/officeDocument/2006/relationships" xmlns:p="http://schemas.openxmlformats.org/presentationml/2006/main" showMasterSp="0" showMasterPhAnim="0">
   <p:cSld>
     <p:spTree>
@@ -2505,7 +2329,7 @@
 </p:notes>
 </file>
 
-<file path=ppt/notesSlides/notesSlide23.xml><?xml version="1.0" encoding="utf-8"?>
+<file path=ppt/notesSlides/notesSlide22.xml><?xml version="1.0" encoding="utf-8"?>
 <p:notes xmlns:a="http://schemas.openxmlformats.org/drawingml/2006/main" xmlns:r="http://schemas.openxmlformats.org/officeDocument/2006/relationships" xmlns:p="http://schemas.openxmlformats.org/presentationml/2006/main" showMasterSp="0" showMasterPhAnim="0">
   <p:cSld>
     <p:spTree>
@@ -2594,14 +2418,14 @@
               </a:spcBef>
               <a:buNone/>
             </a:pPr>
-            <a:endParaRPr lang="pt-PT" dirty="0"/>
+            <a:endParaRPr lang="pt-PT" u="none" dirty="0"/>
           </a:p>
         </p:txBody>
       </p:sp>
     </p:spTree>
     <p:extLst>
       <p:ext uri="{BB962C8B-B14F-4D97-AF65-F5344CB8AC3E}">
-        <p14:creationId xmlns:p14="http://schemas.microsoft.com/office/powerpoint/2010/main" val="3668044452"/>
+        <p14:creationId xmlns:p14="http://schemas.microsoft.com/office/powerpoint/2010/main" val="2334591351"/>
       </p:ext>
     </p:extLst>
   </p:cSld>
@@ -2611,7 +2435,7 @@
 </p:notes>
 </file>
 
-<file path=ppt/notesSlides/notesSlide24.xml><?xml version="1.0" encoding="utf-8"?>
+<file path=ppt/notesSlides/notesSlide23.xml><?xml version="1.0" encoding="utf-8"?>
 <p:notes xmlns:a="http://schemas.openxmlformats.org/drawingml/2006/main" xmlns:r="http://schemas.openxmlformats.org/officeDocument/2006/relationships" xmlns:p="http://schemas.openxmlformats.org/presentationml/2006/main" showMasterSp="0" showMasterPhAnim="0">
   <p:cSld>
     <p:spTree>
@@ -2707,7 +2531,7 @@
     </p:spTree>
     <p:extLst>
       <p:ext uri="{BB962C8B-B14F-4D97-AF65-F5344CB8AC3E}">
-        <p14:creationId xmlns:p14="http://schemas.microsoft.com/office/powerpoint/2010/main" val="793719543"/>
+        <p14:creationId xmlns:p14="http://schemas.microsoft.com/office/powerpoint/2010/main" val="26666342"/>
       </p:ext>
     </p:extLst>
   </p:cSld>
@@ -2717,7 +2541,7 @@
 </p:notes>
 </file>
 
-<file path=ppt/notesSlides/notesSlide25.xml><?xml version="1.0" encoding="utf-8"?>
+<file path=ppt/notesSlides/notesSlide24.xml><?xml version="1.0" encoding="utf-8"?>
 <p:notes xmlns:a="http://schemas.openxmlformats.org/drawingml/2006/main" xmlns:r="http://schemas.openxmlformats.org/officeDocument/2006/relationships" xmlns:p="http://schemas.openxmlformats.org/presentationml/2006/main" showMasterSp="0" showMasterPhAnim="0">
   <p:cSld>
     <p:spTree>
@@ -2823,7 +2647,7 @@
 </p:notes>
 </file>
 
-<file path=ppt/notesSlides/notesSlide26.xml><?xml version="1.0" encoding="utf-8"?>
+<file path=ppt/notesSlides/notesSlide25.xml><?xml version="1.0" encoding="utf-8"?>
 <p:notes xmlns:a="http://schemas.openxmlformats.org/drawingml/2006/main" xmlns:r="http://schemas.openxmlformats.org/officeDocument/2006/relationships" xmlns:p="http://schemas.openxmlformats.org/presentationml/2006/main" showMasterSp="0" showMasterPhAnim="0">
   <p:cSld>
     <p:spTree>
@@ -2929,7 +2753,7 @@
 </p:notes>
 </file>
 
-<file path=ppt/notesSlides/notesSlide27.xml><?xml version="1.0" encoding="utf-8"?>
+<file path=ppt/notesSlides/notesSlide26.xml><?xml version="1.0" encoding="utf-8"?>
 <p:notes xmlns:a="http://schemas.openxmlformats.org/drawingml/2006/main" xmlns:r="http://schemas.openxmlformats.org/officeDocument/2006/relationships" xmlns:p="http://schemas.openxmlformats.org/presentationml/2006/main" showMasterSp="0" showMasterPhAnim="0">
   <p:cSld>
     <p:spTree>
@@ -3035,7 +2859,7 @@
 </p:notes>
 </file>
 
-<file path=ppt/notesSlides/notesSlide28.xml><?xml version="1.0" encoding="utf-8"?>
+<file path=ppt/notesSlides/notesSlide27.xml><?xml version="1.0" encoding="utf-8"?>
 <p:notes xmlns:a="http://schemas.openxmlformats.org/drawingml/2006/main" xmlns:r="http://schemas.openxmlformats.org/officeDocument/2006/relationships" xmlns:p="http://schemas.openxmlformats.org/presentationml/2006/main" showMasterSp="0" showMasterPhAnim="0">
   <p:cSld>
     <p:spTree>
@@ -3347,7 +3171,7 @@
     </p:spTree>
     <p:extLst>
       <p:ext uri="{BB962C8B-B14F-4D97-AF65-F5344CB8AC3E}">
-        <p14:creationId xmlns:p14="http://schemas.microsoft.com/office/powerpoint/2010/main" val="1541726749"/>
+        <p14:creationId xmlns:p14="http://schemas.microsoft.com/office/powerpoint/2010/main" val="2081388604"/>
       </p:ext>
     </p:extLst>
   </p:cSld>
@@ -3908,6 +3732,26 @@
               </a:spcBef>
               <a:buNone/>
             </a:pPr>
+            <a:r>
+              <a:rPr lang="en-US" dirty="0" smtClean="0"/>
+              <a:t>- </a:t>
+            </a:r>
+            <a:r>
+              <a:rPr lang="en-US" dirty="0" err="1" smtClean="0"/>
+              <a:t>Apos</a:t>
+            </a:r>
+            <a:r>
+              <a:rPr lang="en-US" dirty="0" smtClean="0"/>
+              <a:t> </a:t>
+            </a:r>
+            <a:r>
+              <a:rPr lang="en-US" dirty="0" err="1" smtClean="0"/>
+              <a:t>validaçao</a:t>
+            </a:r>
+            <a:r>
+              <a:rPr lang="en-US" dirty="0" smtClean="0"/>
+              <a:t> do conceptual</a:t>
+            </a:r>
             <a:endParaRPr dirty="0"/>
           </a:p>
         </p:txBody>
@@ -11763,7 +11607,7 @@
         </p:nvSpPr>
         <p:spPr>
           <a:xfrm>
-            <a:off x="6537251" y="4103750"/>
+            <a:off x="6537251" y="3849750"/>
             <a:ext cx="2660374" cy="1050900"/>
           </a:xfrm>
           <a:prstGeom prst="rect">
@@ -11802,13 +11646,10 @@
                 <a:cs typeface="Trebuchet MS"/>
                 <a:sym typeface="Trebuchet MS"/>
               </a:rPr>
-              <a:t>08:</a:t>
-            </a:r>
-          </a:p>
-          <a:p>
-            <a:pPr lvl="4"/>
-            <a:r>
-              <a:rPr lang="pt-PT" dirty="0" smtClean="0">
+              <a:t>08</a:t>
+            </a:r>
+            <a:r>
+              <a:rPr lang="pt-PT" b="1" u="sng" dirty="0" smtClean="0">
                 <a:solidFill>
                   <a:srgbClr val="F3F3F3"/>
                 </a:solidFill>
@@ -11817,10 +11658,27 @@
                 <a:cs typeface="Trebuchet MS"/>
                 <a:sym typeface="Trebuchet MS"/>
               </a:rPr>
-              <a:t>    André </a:t>
-            </a:r>
-            <a:r>
-              <a:rPr lang="pt-PT" dirty="0">
+              <a:t>:</a:t>
+            </a:r>
+          </a:p>
+          <a:p>
+            <a:endParaRPr lang="pt-PT" b="1" u="sng" dirty="0" smtClean="0">
+              <a:solidFill>
+                <a:srgbClr val="F3F3F3"/>
+              </a:solidFill>
+              <a:latin typeface="Trebuchet MS"/>
+              <a:ea typeface="Trebuchet MS"/>
+              <a:cs typeface="Trebuchet MS"/>
+              <a:sym typeface="Trebuchet MS"/>
+            </a:endParaRPr>
+          </a:p>
+          <a:p>
+            <a:pPr marL="285750" lvl="4" indent="-285750">
+              <a:buFont typeface="Wingdings" panose="05000000000000000000" pitchFamily="2" charset="2"/>
+              <a:buChar char="Ø"/>
+            </a:pPr>
+            <a:r>
+              <a:rPr lang="pt-PT" dirty="0" smtClean="0">
                 <a:solidFill>
                   <a:srgbClr val="F3F3F3"/>
                 </a:solidFill>
@@ -11829,9 +11687,9 @@
                 <a:cs typeface="Trebuchet MS"/>
                 <a:sym typeface="Trebuchet MS"/>
               </a:rPr>
-              <a:t>Santos</a:t>
-            </a:r>
-            <a:br>
+              <a:t>André </a:t>
+            </a:r>
+            <a:r>
               <a:rPr lang="pt-PT" dirty="0">
                 <a:solidFill>
                   <a:srgbClr val="F3F3F3"/>
@@ -11841,9 +11699,10 @@
                 <a:cs typeface="Trebuchet MS"/>
                 <a:sym typeface="Trebuchet MS"/>
               </a:rPr>
-            </a:br>
-            <a:r>
-              <a:rPr lang="pt-PT" dirty="0" smtClean="0">
+              <a:t>Santos</a:t>
+            </a:r>
+            <a:br>
+              <a:rPr lang="pt-PT" dirty="0">
                 <a:solidFill>
                   <a:srgbClr val="F3F3F3"/>
                 </a:solidFill>
@@ -11852,10 +11711,9 @@
                 <a:cs typeface="Trebuchet MS"/>
                 <a:sym typeface="Trebuchet MS"/>
               </a:rPr>
-              <a:t>    Jéssica </a:t>
-            </a:r>
-            <a:r>
-              <a:rPr lang="pt-PT" dirty="0">
+            </a:br>
+            <a:r>
+              <a:rPr lang="pt-PT" dirty="0" smtClean="0">
                 <a:solidFill>
                   <a:srgbClr val="F3F3F3"/>
                 </a:solidFill>
@@ -11864,9 +11722,9 @@
                 <a:cs typeface="Trebuchet MS"/>
                 <a:sym typeface="Trebuchet MS"/>
               </a:rPr>
-              <a:t>Pereira</a:t>
-            </a:r>
-            <a:br>
+              <a:t>Jéssica </a:t>
+            </a:r>
+            <a:r>
               <a:rPr lang="pt-PT" dirty="0">
                 <a:solidFill>
                   <a:srgbClr val="F3F3F3"/>
@@ -11876,9 +11734,10 @@
                 <a:cs typeface="Trebuchet MS"/>
                 <a:sym typeface="Trebuchet MS"/>
               </a:rPr>
-            </a:br>
-            <a:r>
-              <a:rPr lang="pt-PT" dirty="0" smtClean="0">
+              <a:t>Pereira</a:t>
+            </a:r>
+            <a:br>
+              <a:rPr lang="pt-PT" dirty="0">
                 <a:solidFill>
                   <a:srgbClr val="F3F3F3"/>
                 </a:solidFill>
@@ -11887,7 +11746,18 @@
                 <a:cs typeface="Trebuchet MS"/>
                 <a:sym typeface="Trebuchet MS"/>
               </a:rPr>
-              <a:t>    Mariana </a:t>
+            </a:br>
+            <a:r>
+              <a:rPr lang="pt-PT" dirty="0" smtClean="0">
+                <a:solidFill>
+                  <a:srgbClr val="F3F3F3"/>
+                </a:solidFill>
+                <a:latin typeface="Trebuchet MS"/>
+                <a:ea typeface="Trebuchet MS"/>
+                <a:cs typeface="Trebuchet MS"/>
+                <a:sym typeface="Trebuchet MS"/>
+              </a:rPr>
+              <a:t>Mariana </a:t>
             </a:r>
             <a:r>
               <a:rPr lang="pt-PT" dirty="0">
@@ -12071,7 +11941,7 @@
               <a:buChar char="•"/>
             </a:pPr>
             <a:r>
-              <a:rPr lang="pt-PT" sz="1600" b="1" dirty="0">
+              <a:rPr lang="pt-PT" sz="1600" b="1" dirty="0" smtClean="0">
                 <a:solidFill>
                   <a:srgbClr val="000000"/>
                 </a:solidFill>
@@ -12086,7 +11956,7 @@
               </a:spcBef>
               <a:buNone/>
             </a:pPr>
-            <a:endParaRPr sz="1400" b="1" dirty="0">
+            <a:endParaRPr sz="1400" b="1" dirty="0" smtClean="0">
               <a:solidFill>
                 <a:srgbClr val="000000"/>
               </a:solidFill>
@@ -12100,36 +11970,220 @@
               <a:buNone/>
             </a:pPr>
             <a:r>
+              <a:rPr lang="pt-PT" sz="1400" b="1" dirty="0" smtClean="0">
+                <a:solidFill>
+                  <a:srgbClr val="980000"/>
+                </a:solidFill>
+              </a:rPr>
+              <a:t>Exemplar-Reservado-Utilizador </a:t>
+            </a:r>
+            <a:r>
+              <a:rPr lang="pt-PT" sz="1400" dirty="0" smtClean="0">
+                <a:solidFill>
+                  <a:srgbClr val="000000"/>
+                </a:solidFill>
+              </a:rPr>
+              <a:t>= {</a:t>
+            </a:r>
+            <a:r>
+              <a:rPr lang="pt-PT" sz="1400" u="sng" dirty="0" smtClean="0">
+                <a:solidFill>
+                  <a:srgbClr val="000000"/>
+                </a:solidFill>
+              </a:rPr>
+              <a:t>Exemplar, Utilizador, DataReserva</a:t>
+            </a:r>
+            <a:r>
+              <a:rPr lang="pt-PT" sz="1400" dirty="0" smtClean="0">
+                <a:solidFill>
+                  <a:srgbClr val="000000"/>
+                </a:solidFill>
+              </a:rPr>
+              <a:t>, Estado}</a:t>
+            </a:r>
+          </a:p>
+          <a:p>
+            <a:pPr marL="914400" lvl="0" indent="0" rtl="0">
+              <a:spcBef>
+                <a:spcPts val="0"/>
+              </a:spcBef>
+              <a:buNone/>
+            </a:pPr>
+            <a:r>
+              <a:rPr lang="pt-PT" sz="1400" b="1" dirty="0" smtClean="0">
+                <a:solidFill>
+                  <a:srgbClr val="980000"/>
+                </a:solidFill>
+              </a:rPr>
+              <a:t>Livro-Publicado-Editora </a:t>
+            </a:r>
+            <a:r>
+              <a:rPr lang="pt-PT" sz="1400" dirty="0" smtClean="0">
+                <a:solidFill>
+                  <a:srgbClr val="000000"/>
+                </a:solidFill>
+              </a:rPr>
+              <a:t>= {</a:t>
+            </a:r>
+            <a:r>
+              <a:rPr lang="pt-PT" sz="1400" u="sng" dirty="0" smtClean="0">
+                <a:solidFill>
+                  <a:srgbClr val="000000"/>
+                </a:solidFill>
+              </a:rPr>
+              <a:t>Livro, Editora, Edicao</a:t>
+            </a:r>
+            <a:r>
+              <a:rPr lang="pt-PT" sz="1400" dirty="0" smtClean="0">
+                <a:solidFill>
+                  <a:srgbClr val="000000"/>
+                </a:solidFill>
+              </a:rPr>
+              <a:t>, Ano}</a:t>
+            </a:r>
+          </a:p>
+          <a:p>
+            <a:pPr marL="914400" lvl="0" indent="0" rtl="0">
+              <a:spcBef>
+                <a:spcPts val="0"/>
+              </a:spcBef>
+              <a:buNone/>
+            </a:pPr>
+            <a:r>
+              <a:rPr lang="pt-PT" sz="1400" b="1" dirty="0" smtClean="0">
+                <a:solidFill>
+                  <a:srgbClr val="980000"/>
+                </a:solidFill>
+              </a:rPr>
+              <a:t>Autor-Escreve-Livro </a:t>
+            </a:r>
+            <a:r>
+              <a:rPr lang="pt-PT" sz="1400" dirty="0" smtClean="0">
+                <a:solidFill>
+                  <a:srgbClr val="000000"/>
+                </a:solidFill>
+              </a:rPr>
+              <a:t>= {</a:t>
+            </a:r>
+            <a:r>
+              <a:rPr lang="pt-PT" sz="1400" u="sng" dirty="0" smtClean="0">
+                <a:solidFill>
+                  <a:srgbClr val="000000"/>
+                </a:solidFill>
+              </a:rPr>
+              <a:t>Livro, Autor</a:t>
+            </a:r>
+            <a:r>
+              <a:rPr lang="pt-PT" sz="1400" dirty="0" smtClean="0">
+                <a:solidFill>
+                  <a:srgbClr val="000000"/>
+                </a:solidFill>
+              </a:rPr>
+              <a:t>}</a:t>
+            </a:r>
+          </a:p>
+          <a:p>
+            <a:pPr marL="0" lvl="0" indent="0" rtl="0">
+              <a:spcBef>
+                <a:spcPts val="0"/>
+              </a:spcBef>
+              <a:buNone/>
+            </a:pPr>
+            <a:r>
+              <a:rPr lang="pt-PT" sz="1400" dirty="0" smtClean="0">
+                <a:solidFill>
+                  <a:srgbClr val="000000"/>
+                </a:solidFill>
+              </a:rPr>
+              <a:t>	</a:t>
+            </a:r>
+          </a:p>
+          <a:p>
+            <a:pPr marL="457200" lvl="0" indent="-317500">
+              <a:buClr>
+                <a:srgbClr val="000000"/>
+              </a:buClr>
+              <a:buFont typeface="Arial" panose="020B0604020202020204" pitchFamily="34" charset="0"/>
+              <a:buChar char="•"/>
+            </a:pPr>
+            <a:r>
               <a:rPr lang="pt-PT" sz="1400" b="1" dirty="0">
                 <a:solidFill>
+                  <a:srgbClr val="000000"/>
+                </a:solidFill>
+              </a:rPr>
+              <a:t>Atributo Multivalor</a:t>
+            </a:r>
+          </a:p>
+          <a:p>
+            <a:pPr marL="457200" lvl="0"/>
+            <a:endParaRPr lang="pt-PT" sz="1200" b="1" dirty="0">
+              <a:solidFill>
+                <a:srgbClr val="980000"/>
+              </a:solidFill>
+            </a:endParaRPr>
+          </a:p>
+          <a:p>
+            <a:pPr marL="457200" lvl="0" indent="457200"/>
+            <a:r>
+              <a:rPr lang="pt-PT" sz="1400" b="1" dirty="0">
+                <a:solidFill>
                   <a:srgbClr val="980000"/>
                 </a:solidFill>
               </a:rPr>
-              <a:t>Exemplar-Reservado-Utilizador </a:t>
+              <a:t>CDU </a:t>
             </a:r>
             <a:r>
               <a:rPr lang="pt-PT" sz="1400" dirty="0">
                 <a:solidFill>
+                  <a:schemeClr val="dk1"/>
+                </a:solidFill>
+              </a:rPr>
+              <a:t>= {</a:t>
+            </a:r>
+            <a:r>
+              <a:rPr lang="pt-PT" sz="1400" u="sng" dirty="0">
+                <a:solidFill>
+                  <a:schemeClr val="dk1"/>
+                </a:solidFill>
+              </a:rPr>
+              <a:t>CDU, Livro</a:t>
+            </a:r>
+            <a:r>
+              <a:rPr lang="pt-PT" sz="1400" dirty="0">
+                <a:solidFill>
+                  <a:schemeClr val="dk1"/>
+                </a:solidFill>
+              </a:rPr>
+              <a:t>}</a:t>
+            </a:r>
+          </a:p>
+          <a:p>
+            <a:pPr lvl="0"/>
+            <a:r>
+              <a:rPr lang="pt-PT" sz="1400" dirty="0">
+                <a:solidFill>
                   <a:srgbClr val="000000"/>
                 </a:solidFill>
               </a:rPr>
-              <a:t>= {Exemplar, Utilizador, DataReserva, Estado}</a:t>
-            </a:r>
-          </a:p>
-          <a:p>
-            <a:pPr marL="914400" lvl="0" indent="0" rtl="0">
-              <a:spcBef>
-                <a:spcPts val="0"/>
-              </a:spcBef>
-              <a:buNone/>
-            </a:pPr>
-            <a:r>
-              <a:rPr lang="pt-PT" sz="1400" b="1" dirty="0">
-                <a:solidFill>
-                  <a:srgbClr val="980000"/>
-                </a:solidFill>
-              </a:rPr>
-              <a:t>Livro-Publicado-Editora </a:t>
+              <a:t>	</a:t>
+            </a:r>
+          </a:p>
+          <a:p>
+            <a:pPr marL="457200" lvl="0" indent="-317500">
+              <a:buClr>
+                <a:srgbClr val="000000"/>
+              </a:buClr>
+              <a:buFont typeface="Arial" panose="020B0604020202020204" pitchFamily="34" charset="0"/>
+              <a:buChar char="•"/>
+            </a:pPr>
+            <a:r>
+              <a:rPr lang="pt-PT" sz="1400" b="1" u="sng" dirty="0">
+                <a:solidFill>
+                  <a:srgbClr val="000000"/>
+                </a:solidFill>
+              </a:rPr>
+              <a:t>Total:</a:t>
             </a:r>
             <a:r>
               <a:rPr lang="pt-PT" sz="1400" dirty="0">
@@ -12137,103 +12191,84 @@
                   <a:srgbClr val="000000"/>
                 </a:solidFill>
               </a:rPr>
-              <a:t>= {Livro, Editora, Edicao, Ano}</a:t>
-            </a:r>
-          </a:p>
-          <a:p>
-            <a:pPr marL="914400" lvl="0" indent="0" rtl="0">
-              <a:spcBef>
-                <a:spcPts val="0"/>
-              </a:spcBef>
-              <a:buNone/>
-            </a:pPr>
-            <a:r>
-              <a:rPr lang="pt-PT" sz="1400" b="1" dirty="0">
-                <a:solidFill>
-                  <a:srgbClr val="980000"/>
-                </a:solidFill>
-              </a:rPr>
-              <a:t>Autor-Escreve-Livro </a:t>
-            </a:r>
+              <a:t> 3 tabelas de relacionamentos N para </a:t>
+            </a:r>
+            <a:r>
+              <a:rPr lang="pt-PT" sz="1400" dirty="0" smtClean="0">
+                <a:solidFill>
+                  <a:srgbClr val="000000"/>
+                </a:solidFill>
+              </a:rPr>
+              <a:t>N</a:t>
+            </a:r>
+          </a:p>
+          <a:p>
+            <a:pPr marL="139700" lvl="0">
+              <a:buClr>
+                <a:srgbClr val="000000"/>
+              </a:buClr>
+            </a:pPr>
             <a:r>
               <a:rPr lang="pt-PT" sz="1400" dirty="0">
                 <a:solidFill>
                   <a:srgbClr val="000000"/>
                 </a:solidFill>
               </a:rPr>
-              <a:t>= {Livro, Autor}</a:t>
-            </a:r>
-          </a:p>
-          <a:p>
-            <a:pPr marL="0" lvl="0" indent="0" rtl="0">
-              <a:spcBef>
-                <a:spcPts val="0"/>
-              </a:spcBef>
-              <a:buNone/>
-            </a:pPr>
+              <a:t>	 </a:t>
+            </a:r>
+            <a:r>
+              <a:rPr lang="pt-PT" sz="1400" dirty="0" smtClean="0">
+                <a:solidFill>
+                  <a:srgbClr val="000000"/>
+                </a:solidFill>
+              </a:rPr>
+              <a:t> </a:t>
+            </a:r>
+            <a:r>
+              <a:rPr lang="pt-PT" sz="1400" dirty="0" smtClean="0">
+                <a:solidFill>
+                  <a:srgbClr val="000000"/>
+                </a:solidFill>
+              </a:rPr>
+              <a:t>1 </a:t>
+            </a:r>
             <a:r>
               <a:rPr lang="pt-PT" sz="1400" dirty="0">
                 <a:solidFill>
                   <a:srgbClr val="000000"/>
                 </a:solidFill>
               </a:rPr>
-              <a:t>	</a:t>
-            </a:r>
-          </a:p>
-          <a:p>
-            <a:pPr marL="457200" lvl="0" indent="0" rtl="0">
-              <a:spcBef>
-                <a:spcPts val="0"/>
-              </a:spcBef>
-              <a:buNone/>
-            </a:pPr>
-            <a:endParaRPr sz="1400" dirty="0">
+              <a:t>tabela de atributo multivalor</a:t>
+            </a:r>
+          </a:p>
+          <a:p>
+            <a:pPr marL="139700" lvl="0">
+              <a:buClr>
+                <a:srgbClr val="000000"/>
+              </a:buClr>
+            </a:pPr>
+            <a:endParaRPr lang="pt-PT" sz="800" dirty="0">
               <a:solidFill>
                 <a:srgbClr val="000000"/>
               </a:solidFill>
             </a:endParaRPr>
           </a:p>
           <a:p>
-            <a:pPr marL="457200" lvl="0" indent="-317500" rtl="0">
-              <a:spcBef>
-                <a:spcPts val="0"/>
-              </a:spcBef>
+            <a:pPr marL="425450" lvl="0" indent="-285750">
               <a:buClr>
                 <a:srgbClr val="000000"/>
               </a:buClr>
-              <a:buSzPct val="100000"/>
               <a:buFont typeface="Arial" panose="020B0604020202020204" pitchFamily="34" charset="0"/>
               <a:buChar char="•"/>
             </a:pPr>
             <a:r>
-              <a:rPr lang="pt-PT" sz="1400" b="1" u="sng" dirty="0">
+              <a:rPr lang="pt-PT" sz="1400" b="1" dirty="0">
                 <a:solidFill>
                   <a:srgbClr val="000000"/>
                 </a:solidFill>
               </a:rPr>
-              <a:t>Total:</a:t>
-            </a:r>
-            <a:r>
-              <a:rPr lang="pt-PT" sz="1400" dirty="0">
-                <a:solidFill>
-                  <a:srgbClr val="000000"/>
-                </a:solidFill>
-              </a:rPr>
-              <a:t> 3 tabelas </a:t>
-            </a:r>
-            <a:r>
-              <a:rPr lang="pt-PT" sz="1400" dirty="0" smtClean="0">
-                <a:solidFill>
-                  <a:srgbClr val="000000"/>
-                </a:solidFill>
-              </a:rPr>
-              <a:t>de relacionamentos N para N</a:t>
-            </a:r>
-            <a:endParaRPr lang="pt-PT" sz="1400" dirty="0">
-              <a:solidFill>
-                <a:srgbClr val="000000"/>
-              </a:solidFill>
-            </a:endParaRPr>
+              <a:t>Da derivação resulta também a definição das chaves estrangeiras</a:t>
+            </a:r>
           </a:p>
           <a:p>
             <a:pPr marL="457200" lvl="0" indent="0" rtl="0">
@@ -12382,6 +12417,11 @@
         </p:txBody>
       </p:sp>
     </p:spTree>
+    <p:extLst>
+      <p:ext uri="{BB962C8B-B14F-4D97-AF65-F5344CB8AC3E}">
+        <p14:creationId xmlns:p14="http://schemas.microsoft.com/office/powerpoint/2010/main" val="135133983"/>
+      </p:ext>
+    </p:extLst>
   </p:cSld>
   <p:clrMapOvr>
     <a:masterClrMapping/>
@@ -12400,430 +12440,6 @@
 </file>
 
 <file path=ppt/slides/slide11.xml><?xml version="1.0" encoding="utf-8"?>
-<p:sld xmlns:a="http://schemas.openxmlformats.org/drawingml/2006/main" xmlns:r="http://schemas.openxmlformats.org/officeDocument/2006/relationships" xmlns:p="http://schemas.openxmlformats.org/presentationml/2006/main">
-  <p:cSld>
-    <p:spTree>
-      <p:nvGrpSpPr>
-        <p:cNvPr id="1" name="Shape 178"/>
-        <p:cNvGrpSpPr/>
-        <p:nvPr/>
-      </p:nvGrpSpPr>
-      <p:grpSpPr>
-        <a:xfrm>
-          <a:off x="0" y="0"/>
-          <a:ext cx="0" cy="0"/>
-          <a:chOff x="0" y="0"/>
-          <a:chExt cx="0" cy="0"/>
-        </a:xfrm>
-      </p:grpSpPr>
-      <p:sp>
-        <p:nvSpPr>
-          <p:cNvPr id="179" name="Shape 179"/>
-          <p:cNvSpPr txBox="1">
-            <a:spLocks noGrp="1"/>
-          </p:cNvSpPr>
-          <p:nvPr>
-            <p:ph type="body" idx="1"/>
-          </p:nvPr>
-        </p:nvSpPr>
-        <p:spPr>
-          <a:xfrm>
-            <a:off x="457200" y="1015650"/>
-            <a:ext cx="8229600" cy="3579900"/>
-          </a:xfrm>
-          <a:prstGeom prst="rect">
-            <a:avLst/>
-          </a:prstGeom>
-        </p:spPr>
-        <p:txBody>
-          <a:bodyPr lIns="91425" tIns="91425" rIns="91425" bIns="91425" anchor="t" anchorCtr="0">
-            <a:noAutofit/>
-          </a:bodyPr>
-          <a:lstStyle/>
-          <a:p>
-            <a:pPr lvl="0" rtl="0">
-              <a:spcBef>
-                <a:spcPts val="0"/>
-              </a:spcBef>
-              <a:buNone/>
-            </a:pPr>
-            <a:r>
-              <a:rPr lang="pt-PT" sz="2400" b="1" dirty="0">
-                <a:solidFill>
-                  <a:srgbClr val="000000"/>
-                </a:solidFill>
-              </a:rPr>
-              <a:t>Derivação do Modelo para Obtenção de Tabelas</a:t>
-            </a:r>
-          </a:p>
-          <a:p>
-            <a:pPr lvl="0" rtl="0">
-              <a:spcBef>
-                <a:spcPts val="0"/>
-              </a:spcBef>
-              <a:buNone/>
-            </a:pPr>
-            <a:endParaRPr sz="1400" b="1" dirty="0">
-              <a:solidFill>
-                <a:srgbClr val="000000"/>
-              </a:solidFill>
-            </a:endParaRPr>
-          </a:p>
-          <a:p>
-            <a:pPr marL="457200" lvl="0" indent="-317500" rtl="0">
-              <a:spcBef>
-                <a:spcPts val="0"/>
-              </a:spcBef>
-              <a:buClr>
-                <a:srgbClr val="000000"/>
-              </a:buClr>
-              <a:buSzPct val="100000"/>
-              <a:buFont typeface="Arial" panose="020B0604020202020204" pitchFamily="34" charset="0"/>
-              <a:buChar char="•"/>
-            </a:pPr>
-            <a:r>
-              <a:rPr lang="pt-PT" sz="1600" b="1" dirty="0">
-                <a:solidFill>
-                  <a:srgbClr val="000000"/>
-                </a:solidFill>
-              </a:rPr>
-              <a:t>Atributo Multivalor</a:t>
-            </a:r>
-          </a:p>
-          <a:p>
-            <a:pPr marL="457200" lvl="0" indent="0" rtl="0">
-              <a:spcBef>
-                <a:spcPts val="0"/>
-              </a:spcBef>
-              <a:buNone/>
-            </a:pPr>
-            <a:endParaRPr sz="1400" b="1" dirty="0">
-              <a:solidFill>
-                <a:srgbClr val="980000"/>
-              </a:solidFill>
-            </a:endParaRPr>
-          </a:p>
-          <a:p>
-            <a:pPr marL="457200" lvl="0" indent="457200" rtl="0">
-              <a:spcBef>
-                <a:spcPts val="0"/>
-              </a:spcBef>
-              <a:buNone/>
-            </a:pPr>
-            <a:r>
-              <a:rPr lang="pt-PT" sz="1400" b="1" dirty="0">
-                <a:solidFill>
-                  <a:srgbClr val="980000"/>
-                </a:solidFill>
-              </a:rPr>
-              <a:t>CDU </a:t>
-            </a:r>
-            <a:r>
-              <a:rPr lang="pt-PT" sz="1400" dirty="0">
-                <a:solidFill>
-                  <a:schemeClr val="dk1"/>
-                </a:solidFill>
-              </a:rPr>
-              <a:t>= {CDU, Livro}</a:t>
-            </a:r>
-          </a:p>
-          <a:p>
-            <a:pPr marL="457200" lvl="0" indent="0" rtl="0">
-              <a:spcBef>
-                <a:spcPts val="0"/>
-              </a:spcBef>
-              <a:buNone/>
-            </a:pPr>
-            <a:endParaRPr sz="1400" dirty="0">
-              <a:solidFill>
-                <a:schemeClr val="dk1"/>
-              </a:solidFill>
-            </a:endParaRPr>
-          </a:p>
-          <a:p>
-            <a:pPr marL="457200" lvl="0" indent="0" rtl="0">
-              <a:spcBef>
-                <a:spcPts val="0"/>
-              </a:spcBef>
-              <a:buNone/>
-            </a:pPr>
-            <a:endParaRPr sz="1400" dirty="0">
-              <a:solidFill>
-                <a:srgbClr val="000000"/>
-              </a:solidFill>
-            </a:endParaRPr>
-          </a:p>
-          <a:p>
-            <a:pPr marL="457200" lvl="0" indent="-317500" rtl="0">
-              <a:spcBef>
-                <a:spcPts val="0"/>
-              </a:spcBef>
-              <a:buClr>
-                <a:srgbClr val="000000"/>
-              </a:buClr>
-              <a:buSzPct val="100000"/>
-              <a:buFont typeface="Arial" panose="020B0604020202020204" pitchFamily="34" charset="0"/>
-              <a:buChar char="•"/>
-            </a:pPr>
-            <a:r>
-              <a:rPr lang="pt-PT" sz="1400" b="1" u="sng" dirty="0">
-                <a:solidFill>
-                  <a:srgbClr val="000000"/>
-                </a:solidFill>
-              </a:rPr>
-              <a:t>Total:</a:t>
-            </a:r>
-            <a:r>
-              <a:rPr lang="pt-PT" sz="1400" b="1" dirty="0">
-                <a:solidFill>
-                  <a:srgbClr val="000000"/>
-                </a:solidFill>
-              </a:rPr>
-              <a:t> </a:t>
-            </a:r>
-            <a:r>
-              <a:rPr lang="pt-PT" sz="1400" dirty="0">
-                <a:solidFill>
-                  <a:srgbClr val="000000"/>
-                </a:solidFill>
-              </a:rPr>
-              <a:t>1 </a:t>
-            </a:r>
-            <a:r>
-              <a:rPr lang="pt-PT" sz="1400" dirty="0" smtClean="0">
-                <a:solidFill>
-                  <a:srgbClr val="000000"/>
-                </a:solidFill>
-              </a:rPr>
-              <a:t>tabela de atributo multivalor</a:t>
-            </a:r>
-          </a:p>
-          <a:p>
-            <a:pPr marL="139700" lvl="0" rtl="0">
-              <a:spcBef>
-                <a:spcPts val="0"/>
-              </a:spcBef>
-              <a:buClr>
-                <a:srgbClr val="000000"/>
-              </a:buClr>
-              <a:buSzPct val="100000"/>
-            </a:pPr>
-            <a:endParaRPr lang="pt-PT" sz="1400" dirty="0" smtClean="0">
-              <a:solidFill>
-                <a:srgbClr val="000000"/>
-              </a:solidFill>
-            </a:endParaRPr>
-          </a:p>
-          <a:p>
-            <a:pPr marL="139700" lvl="0" rtl="0">
-              <a:spcBef>
-                <a:spcPts val="0"/>
-              </a:spcBef>
-              <a:buClr>
-                <a:srgbClr val="000000"/>
-              </a:buClr>
-              <a:buSzPct val="100000"/>
-            </a:pPr>
-            <a:endParaRPr lang="pt-PT" sz="1400" dirty="0" smtClean="0">
-              <a:solidFill>
-                <a:srgbClr val="000000"/>
-              </a:solidFill>
-            </a:endParaRPr>
-          </a:p>
-          <a:p>
-            <a:pPr marL="139700" lvl="0" rtl="0">
-              <a:spcBef>
-                <a:spcPts val="0"/>
-              </a:spcBef>
-              <a:buClr>
-                <a:srgbClr val="000000"/>
-              </a:buClr>
-              <a:buSzPct val="100000"/>
-            </a:pPr>
-            <a:endParaRPr lang="pt-PT" sz="1600" dirty="0" smtClean="0">
-              <a:solidFill>
-                <a:srgbClr val="000000"/>
-              </a:solidFill>
-            </a:endParaRPr>
-          </a:p>
-          <a:p>
-            <a:pPr marL="425450" lvl="0" indent="-285750" rtl="0">
-              <a:spcBef>
-                <a:spcPts val="0"/>
-              </a:spcBef>
-              <a:buClr>
-                <a:srgbClr val="000000"/>
-              </a:buClr>
-              <a:buSzPct val="100000"/>
-              <a:buFont typeface="Arial" panose="020B0604020202020204" pitchFamily="34" charset="0"/>
-              <a:buChar char="•"/>
-            </a:pPr>
-            <a:r>
-              <a:rPr lang="pt-PT" sz="1600" b="1" dirty="0" smtClean="0">
-                <a:solidFill>
-                  <a:srgbClr val="000000"/>
-                </a:solidFill>
-              </a:rPr>
-              <a:t>Da derivação resulta também a definição das chaves estrangeiras</a:t>
-            </a:r>
-            <a:endParaRPr lang="pt-PT" sz="1600" b="1" dirty="0">
-              <a:solidFill>
-                <a:srgbClr val="000000"/>
-              </a:solidFill>
-            </a:endParaRPr>
-          </a:p>
-        </p:txBody>
-      </p:sp>
-      <p:sp>
-        <p:nvSpPr>
-          <p:cNvPr id="180" name="Shape 180"/>
-          <p:cNvSpPr txBox="1">
-            <a:spLocks noGrp="1"/>
-          </p:cNvSpPr>
-          <p:nvPr>
-            <p:ph type="title"/>
-          </p:nvPr>
-        </p:nvSpPr>
-        <p:spPr>
-          <a:xfrm>
-            <a:off x="457200" y="271900"/>
-            <a:ext cx="8229600" cy="699599"/>
-          </a:xfrm>
-          <a:prstGeom prst="rect">
-            <a:avLst/>
-          </a:prstGeom>
-        </p:spPr>
-        <p:txBody>
-          <a:bodyPr lIns="91425" tIns="91425" rIns="91425" bIns="91425" anchor="b" anchorCtr="0">
-            <a:noAutofit/>
-          </a:bodyPr>
-          <a:lstStyle/>
-          <a:p>
-            <a:pPr lvl="0" rtl="0">
-              <a:spcBef>
-                <a:spcPts val="0"/>
-              </a:spcBef>
-              <a:buNone/>
-            </a:pPr>
-            <a:r>
-              <a:rPr lang="pt-PT" sz="3600">
-                <a:solidFill>
-                  <a:srgbClr val="FFFFFF"/>
-                </a:solidFill>
-              </a:rPr>
-              <a:t>Modelação Lógica</a:t>
-            </a:r>
-          </a:p>
-        </p:txBody>
-      </p:sp>
-      <p:sp>
-        <p:nvSpPr>
-          <p:cNvPr id="181" name="Shape 181"/>
-          <p:cNvSpPr txBox="1">
-            <a:spLocks noGrp="1"/>
-          </p:cNvSpPr>
-          <p:nvPr>
-            <p:ph type="sldNum" idx="12"/>
-          </p:nvPr>
-        </p:nvSpPr>
-        <p:spPr>
-          <a:xfrm>
-            <a:off x="8556791" y="4749850"/>
-            <a:ext cx="548699" cy="393600"/>
-          </a:xfrm>
-          <a:prstGeom prst="rect">
-            <a:avLst/>
-          </a:prstGeom>
-        </p:spPr>
-        <p:txBody>
-          <a:bodyPr lIns="91425" tIns="91425" rIns="91425" bIns="91425" anchor="ctr" anchorCtr="0">
-            <a:noAutofit/>
-          </a:bodyPr>
-          <a:lstStyle/>
-          <a:p>
-            <a:pPr lvl="0" rtl="0">
-              <a:spcBef>
-                <a:spcPts val="0"/>
-              </a:spcBef>
-              <a:buNone/>
-            </a:pPr>
-            <a:fld id="{00000000-1234-1234-1234-123412341234}" type="slidenum">
-              <a:rPr lang="pt-PT"/>
-              <a:t>11</a:t>
-            </a:fld>
-            <a:endParaRPr lang="pt-PT"/>
-          </a:p>
-        </p:txBody>
-      </p:sp>
-      <p:sp>
-        <p:nvSpPr>
-          <p:cNvPr id="182" name="Shape 182"/>
-          <p:cNvSpPr txBox="1"/>
-          <p:nvPr/>
-        </p:nvSpPr>
-        <p:spPr>
-          <a:xfrm>
-            <a:off x="669900" y="4749850"/>
-            <a:ext cx="7804199" cy="250499"/>
-          </a:xfrm>
-          <a:prstGeom prst="rect">
-            <a:avLst/>
-          </a:prstGeom>
-          <a:noFill/>
-          <a:ln>
-            <a:noFill/>
-          </a:ln>
-        </p:spPr>
-        <p:txBody>
-          <a:bodyPr lIns="91425" tIns="91425" rIns="91425" bIns="91425" anchor="t" anchorCtr="0">
-            <a:noAutofit/>
-          </a:bodyPr>
-          <a:lstStyle/>
-          <a:p>
-            <a:pPr lvl="0" rtl="0">
-              <a:spcBef>
-                <a:spcPts val="0"/>
-              </a:spcBef>
-              <a:buNone/>
-            </a:pPr>
-            <a:r>
-              <a:rPr lang="pt-PT" sz="1100" i="1"/>
-              <a:t>Grupo 8,Unidade Curricular de </a:t>
-            </a:r>
-            <a:r>
-              <a:rPr lang="pt-PT" sz="1100" i="1">
-                <a:solidFill>
-                  <a:schemeClr val="dk1"/>
-                </a:solidFill>
-              </a:rPr>
-              <a:t>Base de Dados,</a:t>
-            </a:r>
-            <a:r>
-              <a:rPr lang="pt-PT" sz="1100" i="1"/>
-              <a:t> Gestão de Dados - Biblioteca</a:t>
-            </a:r>
-          </a:p>
-        </p:txBody>
-      </p:sp>
-    </p:spTree>
-  </p:cSld>
-  <p:clrMapOvr>
-    <a:masterClrMapping/>
-  </p:clrMapOvr>
-  <p:transition spd="slow" advTm="617">
-    <p:cut/>
-  </p:transition>
-  <p:timing>
-    <p:tnLst>
-      <p:par>
-        <p:cTn id="1" dur="indefinite" restart="never" nodeType="tmRoot"/>
-      </p:par>
-    </p:tnLst>
-  </p:timing>
-</p:sld>
-</file>
-
-<file path=ppt/slides/slide12.xml><?xml version="1.0" encoding="utf-8"?>
 <p:sld xmlns:a="http://schemas.openxmlformats.org/drawingml/2006/main" xmlns:r="http://schemas.openxmlformats.org/officeDocument/2006/relationships" xmlns:p="http://schemas.openxmlformats.org/presentationml/2006/main">
   <p:cSld>
     <p:bg>
@@ -12951,7 +12567,7 @@
             </a:pPr>
             <a:fld id="{00000000-1234-1234-1234-123412341234}" type="slidenum">
               <a:rPr lang="pt-PT"/>
-              <a:t>12</a:t>
+              <a:t>11</a:t>
             </a:fld>
             <a:endParaRPr lang="pt-PT"/>
           </a:p>
@@ -13025,7 +12641,7 @@
 </p:sld>
 </file>
 
-<file path=ppt/slides/slide13.xml><?xml version="1.0" encoding="utf-8"?>
+<file path=ppt/slides/slide12.xml><?xml version="1.0" encoding="utf-8"?>
 <p:sld xmlns:a="http://schemas.openxmlformats.org/drawingml/2006/main" xmlns:r="http://schemas.openxmlformats.org/officeDocument/2006/relationships" xmlns:p="http://schemas.openxmlformats.org/presentationml/2006/main">
   <p:cSld>
     <p:spTree>
@@ -13280,7 +12896,7 @@
             </a:pPr>
             <a:fld id="{00000000-1234-1234-1234-123412341234}" type="slidenum">
               <a:rPr lang="pt-PT"/>
-              <a:t>13</a:t>
+              <a:t>12</a:t>
             </a:fld>
             <a:endParaRPr lang="pt-PT"/>
           </a:p>
@@ -13354,7 +12970,7 @@
 </p:sld>
 </file>
 
-<file path=ppt/slides/slide14.xml><?xml version="1.0" encoding="utf-8"?>
+<file path=ppt/slides/slide13.xml><?xml version="1.0" encoding="utf-8"?>
 <p:sld xmlns:a="http://schemas.openxmlformats.org/drawingml/2006/main" xmlns:r="http://schemas.openxmlformats.org/officeDocument/2006/relationships" xmlns:p="http://schemas.openxmlformats.org/presentationml/2006/main">
   <p:cSld>
     <p:spTree>
@@ -13832,7 +13448,7 @@
             </a:pPr>
             <a:fld id="{00000000-1234-1234-1234-123412341234}" type="slidenum">
               <a:rPr lang="pt-PT"/>
-              <a:t>14</a:t>
+              <a:t>13</a:t>
             </a:fld>
             <a:endParaRPr lang="pt-PT"/>
           </a:p>
@@ -13906,7 +13522,7 @@
 </p:sld>
 </file>
 
-<file path=ppt/slides/slide15.xml><?xml version="1.0" encoding="utf-8"?>
+<file path=ppt/slides/slide14.xml><?xml version="1.0" encoding="utf-8"?>
 <p:sld xmlns:a="http://schemas.openxmlformats.org/drawingml/2006/main" xmlns:r="http://schemas.openxmlformats.org/officeDocument/2006/relationships" xmlns:p="http://schemas.openxmlformats.org/presentationml/2006/main">
   <p:cSld>
     <p:spTree>
@@ -14167,7 +13783,7 @@
             </a:pPr>
             <a:fld id="{00000000-1234-1234-1234-123412341234}" type="slidenum">
               <a:rPr lang="pt-PT"/>
-              <a:t>15</a:t>
+              <a:t>14</a:t>
             </a:fld>
             <a:endParaRPr lang="pt-PT"/>
           </a:p>
@@ -14241,7 +13857,7 @@
 </p:sld>
 </file>
 
-<file path=ppt/slides/slide16.xml><?xml version="1.0" encoding="utf-8"?>
+<file path=ppt/slides/slide15.xml><?xml version="1.0" encoding="utf-8"?>
 <p:sld xmlns:a="http://schemas.openxmlformats.org/drawingml/2006/main" xmlns:r="http://schemas.openxmlformats.org/officeDocument/2006/relationships" xmlns:p="http://schemas.openxmlformats.org/presentationml/2006/main">
   <p:cSld>
     <p:spTree>
@@ -14953,7 +14569,7 @@
             </a:pPr>
             <a:fld id="{00000000-1234-1234-1234-123412341234}" type="slidenum">
               <a:rPr lang="pt-PT"/>
-              <a:t>16</a:t>
+              <a:t>15</a:t>
             </a:fld>
             <a:endParaRPr lang="pt-PT"/>
           </a:p>
@@ -15027,7 +14643,7 @@
 </p:sld>
 </file>
 
-<file path=ppt/slides/slide17.xml><?xml version="1.0" encoding="utf-8"?>
+<file path=ppt/slides/slide16.xml><?xml version="1.0" encoding="utf-8"?>
 <p:sld xmlns:a="http://schemas.openxmlformats.org/drawingml/2006/main" xmlns:r="http://schemas.openxmlformats.org/officeDocument/2006/relationships" xmlns:p="http://schemas.openxmlformats.org/presentationml/2006/main">
   <p:cSld>
     <p:bg>
@@ -15127,7 +14743,7 @@
             </a:pPr>
             <a:fld id="{00000000-1234-1234-1234-123412341234}" type="slidenum">
               <a:rPr lang="pt-PT"/>
-              <a:t>17</a:t>
+              <a:t>16</a:t>
             </a:fld>
             <a:endParaRPr lang="pt-PT"/>
           </a:p>
@@ -15373,7 +14989,7 @@
 </p:sld>
 </file>
 
-<file path=ppt/slides/slide18.xml><?xml version="1.0" encoding="utf-8"?>
+<file path=ppt/slides/slide17.xml><?xml version="1.0" encoding="utf-8"?>
 <p:sld xmlns:a="http://schemas.openxmlformats.org/drawingml/2006/main" xmlns:r="http://schemas.openxmlformats.org/officeDocument/2006/relationships" xmlns:p="http://schemas.openxmlformats.org/presentationml/2006/main">
   <p:cSld>
     <p:spTree>
@@ -15485,12 +15101,28 @@
               <a:buChar char="•"/>
             </a:pPr>
             <a:r>
+              <a:rPr lang="pt-PT" sz="1300" dirty="0" smtClean="0">
+                <a:solidFill>
+                  <a:srgbClr val="000000"/>
+                </a:solidFill>
+              </a:rPr>
+              <a:t>Chave </a:t>
+            </a:r>
+            <a:r>
+              <a:rPr lang="pt-PT" sz="1300" dirty="0" smtClean="0">
+                <a:solidFill>
+                  <a:srgbClr val="000000"/>
+                </a:solidFill>
+              </a:rPr>
+              <a:t>para Colecção </a:t>
+            </a:r>
+            <a:r>
               <a:rPr lang="pt-PT" sz="1300" dirty="0">
                 <a:solidFill>
                   <a:srgbClr val="000000"/>
                 </a:solidFill>
               </a:rPr>
-              <a:t>Chave para Colecção na tabela Livro pode assumir nulo</a:t>
+              <a:t>na tabela Livro pode assumir nulo</a:t>
             </a:r>
           </a:p>
           <a:p>
@@ -15954,7 +15586,7 @@
             </a:pPr>
             <a:fld id="{00000000-1234-1234-1234-123412341234}" type="slidenum">
               <a:rPr lang="pt-PT"/>
-              <a:t>18</a:t>
+              <a:t>17</a:t>
             </a:fld>
             <a:endParaRPr lang="pt-PT"/>
           </a:p>
@@ -16028,7 +15660,7 @@
 </p:sld>
 </file>
 
-<file path=ppt/slides/slide19.xml><?xml version="1.0" encoding="utf-8"?>
+<file path=ppt/slides/slide18.xml><?xml version="1.0" encoding="utf-8"?>
 <p:sld xmlns:a="http://schemas.openxmlformats.org/drawingml/2006/main" xmlns:r="http://schemas.openxmlformats.org/officeDocument/2006/relationships" xmlns:p="http://schemas.openxmlformats.org/presentationml/2006/main">
   <p:cSld>
     <p:spTree>
@@ -16140,15 +15772,7 @@
                   <a:schemeClr val="dk1"/>
                 </a:solidFill>
               </a:rPr>
-              <a:t>Tipo </a:t>
-            </a:r>
-            <a:r>
-              <a:rPr lang="pt-PT" sz="1300" b="1" dirty="0" smtClean="0">
-                <a:solidFill>
-                  <a:schemeClr val="dk1"/>
-                </a:solidFill>
-              </a:rPr>
-              <a:t>(VARCHAR(2)) </a:t>
+              <a:t>Tipo (VARCHAR(2)) </a:t>
             </a:r>
             <a:r>
               <a:rPr lang="pt-PT" sz="1300" dirty="0">
@@ -16481,15 +16105,7 @@
                   <a:schemeClr val="dk1"/>
                 </a:solidFill>
               </a:rPr>
-              <a:t>Estado </a:t>
-            </a:r>
-            <a:r>
-              <a:rPr lang="pt-PT" sz="1300" b="1" dirty="0" smtClean="0">
-                <a:solidFill>
-                  <a:schemeClr val="dk1"/>
-                </a:solidFill>
-              </a:rPr>
-              <a:t>(INT) </a:t>
+              <a:t>Estado (INT) </a:t>
             </a:r>
             <a:r>
               <a:rPr lang="pt-PT" sz="1300" dirty="0">
@@ -16791,7 +16407,7 @@
             </a:pPr>
             <a:fld id="{00000000-1234-1234-1234-123412341234}" type="slidenum">
               <a:rPr lang="pt-PT"/>
-              <a:t>19</a:t>
+              <a:t>18</a:t>
             </a:fld>
             <a:endParaRPr lang="pt-PT"/>
           </a:p>
@@ -16848,6 +16464,618 @@
         </p:txBody>
       </p:sp>
     </p:spTree>
+  </p:cSld>
+  <p:clrMapOvr>
+    <a:masterClrMapping/>
+  </p:clrMapOvr>
+  <p:transition spd="slow">
+    <p:cut/>
+  </p:transition>
+  <p:timing>
+    <p:tnLst>
+      <p:par>
+        <p:cTn id="1" dur="indefinite" restart="never" nodeType="tmRoot"/>
+      </p:par>
+    </p:tnLst>
+  </p:timing>
+</p:sld>
+</file>
+
+<file path=ppt/slides/slide19.xml><?xml version="1.0" encoding="utf-8"?>
+<p:sld xmlns:a="http://schemas.openxmlformats.org/drawingml/2006/main" xmlns:r="http://schemas.openxmlformats.org/officeDocument/2006/relationships" xmlns:p="http://schemas.openxmlformats.org/presentationml/2006/main">
+  <p:cSld>
+    <p:spTree>
+      <p:nvGrpSpPr>
+        <p:cNvPr id="1" name="Shape 251"/>
+        <p:cNvGrpSpPr/>
+        <p:nvPr/>
+      </p:nvGrpSpPr>
+      <p:grpSpPr>
+        <a:xfrm>
+          <a:off x="0" y="0"/>
+          <a:ext cx="0" cy="0"/>
+          <a:chOff x="0" y="0"/>
+          <a:chExt cx="0" cy="0"/>
+        </a:xfrm>
+      </p:grpSpPr>
+      <p:sp>
+        <p:nvSpPr>
+          <p:cNvPr id="252" name="Shape 252"/>
+          <p:cNvSpPr txBox="1">
+            <a:spLocks noGrp="1"/>
+          </p:cNvSpPr>
+          <p:nvPr>
+            <p:ph type="body" idx="1"/>
+          </p:nvPr>
+        </p:nvSpPr>
+        <p:spPr>
+          <a:xfrm>
+            <a:off x="457200" y="1244242"/>
+            <a:ext cx="8229600" cy="3630300"/>
+          </a:xfrm>
+          <a:prstGeom prst="rect">
+            <a:avLst/>
+          </a:prstGeom>
+        </p:spPr>
+        <p:txBody>
+          <a:bodyPr lIns="91425" tIns="91425" rIns="91425" bIns="91425" anchor="t" anchorCtr="0">
+            <a:noAutofit/>
+          </a:bodyPr>
+          <a:lstStyle/>
+          <a:p>
+            <a:pPr lvl="0" rtl="0">
+              <a:spcBef>
+                <a:spcPts val="0"/>
+              </a:spcBef>
+              <a:buNone/>
+            </a:pPr>
+            <a:r>
+              <a:rPr lang="pt-PT" sz="2400" b="1" dirty="0">
+                <a:solidFill>
+                  <a:srgbClr val="000000"/>
+                </a:solidFill>
+              </a:rPr>
+              <a:t>Restrições de Integridade</a:t>
+            </a:r>
+          </a:p>
+          <a:p>
+            <a:pPr lvl="0" rtl="0">
+              <a:spcBef>
+                <a:spcPts val="0"/>
+              </a:spcBef>
+              <a:buNone/>
+            </a:pPr>
+            <a:endParaRPr sz="1400" b="1" dirty="0">
+              <a:solidFill>
+                <a:srgbClr val="000000"/>
+              </a:solidFill>
+            </a:endParaRPr>
+          </a:p>
+          <a:p>
+            <a:pPr marL="0" lvl="0" indent="0" rtl="0">
+              <a:spcBef>
+                <a:spcPts val="0"/>
+              </a:spcBef>
+              <a:buNone/>
+            </a:pPr>
+            <a:r>
+              <a:rPr lang="pt-PT" sz="1800" b="1" dirty="0">
+                <a:solidFill>
+                  <a:srgbClr val="000000"/>
+                </a:solidFill>
+              </a:rPr>
+              <a:t>Integridade de Entidade</a:t>
+            </a:r>
+          </a:p>
+          <a:p>
+            <a:pPr lvl="0" rtl="0">
+              <a:spcBef>
+                <a:spcPts val="0"/>
+              </a:spcBef>
+              <a:buNone/>
+            </a:pPr>
+            <a:endParaRPr sz="600" b="1" dirty="0">
+              <a:solidFill>
+                <a:srgbClr val="000000"/>
+              </a:solidFill>
+            </a:endParaRPr>
+          </a:p>
+          <a:p>
+            <a:pPr marL="457200" lvl="0" indent="-317500" rtl="0">
+              <a:spcBef>
+                <a:spcPts val="0"/>
+              </a:spcBef>
+              <a:buClr>
+                <a:srgbClr val="000000"/>
+              </a:buClr>
+              <a:buSzPct val="100000"/>
+              <a:buFont typeface="Arial" panose="020B0604020202020204" pitchFamily="34" charset="0"/>
+              <a:buChar char="•"/>
+            </a:pPr>
+            <a:r>
+              <a:rPr lang="pt-PT" sz="1400" dirty="0">
+                <a:solidFill>
+                  <a:srgbClr val="000000"/>
+                </a:solidFill>
+              </a:rPr>
+              <a:t>Valores de chave primária não nulos</a:t>
+            </a:r>
+          </a:p>
+          <a:p>
+            <a:pPr marL="171450" lvl="0" indent="-171450" rtl="0">
+              <a:spcBef>
+                <a:spcPts val="0"/>
+              </a:spcBef>
+              <a:buFont typeface="Arial" panose="020B0604020202020204" pitchFamily="34" charset="0"/>
+              <a:buChar char="•"/>
+            </a:pPr>
+            <a:endParaRPr sz="300" dirty="0">
+              <a:solidFill>
+                <a:srgbClr val="000000"/>
+              </a:solidFill>
+            </a:endParaRPr>
+          </a:p>
+          <a:p>
+            <a:pPr marL="457200" lvl="0" indent="-317500" rtl="0">
+              <a:spcBef>
+                <a:spcPts val="0"/>
+              </a:spcBef>
+              <a:buClr>
+                <a:srgbClr val="000000"/>
+              </a:buClr>
+              <a:buSzPct val="100000"/>
+              <a:buFont typeface="Arial" panose="020B0604020202020204" pitchFamily="34" charset="0"/>
+              <a:buChar char="•"/>
+            </a:pPr>
+            <a:r>
+              <a:rPr lang="pt-PT" sz="1400" dirty="0">
+                <a:solidFill>
+                  <a:srgbClr val="000000"/>
+                </a:solidFill>
+              </a:rPr>
+              <a:t>Não existem valores de chaves primárias </a:t>
+            </a:r>
+            <a:r>
+              <a:rPr lang="pt-PT" sz="1400" dirty="0" smtClean="0">
+                <a:solidFill>
+                  <a:srgbClr val="000000"/>
+                </a:solidFill>
+              </a:rPr>
+              <a:t>iguais</a:t>
+            </a:r>
+          </a:p>
+          <a:p>
+            <a:pPr marL="457200" lvl="0" indent="-317500" rtl="0">
+              <a:spcBef>
+                <a:spcPts val="0"/>
+              </a:spcBef>
+              <a:buClr>
+                <a:srgbClr val="000000"/>
+              </a:buClr>
+              <a:buSzPct val="100000"/>
+              <a:buFont typeface="Arial" panose="020B0604020202020204" pitchFamily="34" charset="0"/>
+              <a:buChar char="•"/>
+            </a:pPr>
+            <a:endParaRPr lang="pt-PT" sz="600" dirty="0">
+              <a:solidFill>
+                <a:srgbClr val="000000"/>
+              </a:solidFill>
+            </a:endParaRPr>
+          </a:p>
+          <a:p>
+            <a:r>
+              <a:rPr lang="pt-PT" sz="1800" b="1" dirty="0" smtClean="0">
+                <a:solidFill>
+                  <a:srgbClr val="000000"/>
+                </a:solidFill>
+              </a:rPr>
+              <a:t>Integridade Referencial</a:t>
+            </a:r>
+          </a:p>
+          <a:p>
+            <a:endParaRPr lang="pt-PT" sz="600" b="1" dirty="0" smtClean="0">
+              <a:solidFill>
+                <a:srgbClr val="000000"/>
+              </a:solidFill>
+            </a:endParaRPr>
+          </a:p>
+          <a:p>
+            <a:pPr marL="457200" indent="-317500">
+              <a:buClr>
+                <a:srgbClr val="000000"/>
+              </a:buClr>
+              <a:buFont typeface="Arial" panose="020B0604020202020204" pitchFamily="34" charset="0"/>
+              <a:buChar char="•"/>
+            </a:pPr>
+            <a:r>
+              <a:rPr lang="pt-PT" sz="1400" dirty="0" smtClean="0">
+                <a:solidFill>
+                  <a:srgbClr val="000000"/>
+                </a:solidFill>
+              </a:rPr>
+              <a:t>Todas as chaves estrangeiras são válidas</a:t>
+            </a:r>
+            <a:endParaRPr lang="pt-PT" sz="1400" dirty="0">
+              <a:solidFill>
+                <a:srgbClr val="000000"/>
+              </a:solidFill>
+            </a:endParaRPr>
+          </a:p>
+          <a:p>
+            <a:pPr marL="171450" indent="-171450">
+              <a:buFont typeface="Arial" panose="020B0604020202020204" pitchFamily="34" charset="0"/>
+              <a:buChar char="•"/>
+            </a:pPr>
+            <a:endParaRPr lang="pt-PT" sz="300" dirty="0">
+              <a:solidFill>
+                <a:srgbClr val="000000"/>
+              </a:solidFill>
+            </a:endParaRPr>
+          </a:p>
+          <a:p>
+            <a:pPr marL="457200" indent="-317500">
+              <a:buClr>
+                <a:srgbClr val="000000"/>
+              </a:buClr>
+              <a:buFont typeface="Arial" panose="020B0604020202020204" pitchFamily="34" charset="0"/>
+              <a:buChar char="•"/>
+            </a:pPr>
+            <a:r>
+              <a:rPr lang="pt-PT" sz="1400" dirty="0">
+                <a:solidFill>
+                  <a:srgbClr val="000000"/>
+                </a:solidFill>
+              </a:rPr>
+              <a:t>Não existem </a:t>
+            </a:r>
+            <a:r>
+              <a:rPr lang="pt-PT" sz="1400" dirty="0" smtClean="0">
+                <a:solidFill>
+                  <a:srgbClr val="000000"/>
+                </a:solidFill>
+              </a:rPr>
+              <a:t>referências a valores não existentes; alteração a um valor chave é consistente por toda a base de dados</a:t>
+            </a:r>
+          </a:p>
+          <a:p>
+            <a:pPr marL="139700">
+              <a:buClr>
+                <a:srgbClr val="000000"/>
+              </a:buClr>
+            </a:pPr>
+            <a:endParaRPr sz="600" dirty="0">
+              <a:solidFill>
+                <a:srgbClr val="000000"/>
+              </a:solidFill>
+            </a:endParaRPr>
+          </a:p>
+          <a:p>
+            <a:pPr marL="0" lvl="0" indent="0" rtl="0">
+              <a:spcBef>
+                <a:spcPts val="0"/>
+              </a:spcBef>
+              <a:buNone/>
+            </a:pPr>
+            <a:r>
+              <a:rPr lang="pt-PT" sz="1800" b="1" dirty="0">
+                <a:solidFill>
+                  <a:schemeClr val="dk1"/>
+                </a:solidFill>
+              </a:rPr>
+              <a:t>Restrições de Multiplicidade</a:t>
+            </a:r>
+          </a:p>
+          <a:p>
+            <a:pPr lvl="0" rtl="0">
+              <a:spcBef>
+                <a:spcPts val="0"/>
+              </a:spcBef>
+              <a:buNone/>
+            </a:pPr>
+            <a:endParaRPr sz="600" b="1" dirty="0">
+              <a:solidFill>
+                <a:schemeClr val="dk1"/>
+              </a:solidFill>
+            </a:endParaRPr>
+          </a:p>
+          <a:p>
+            <a:pPr marL="457200" lvl="0" indent="-311150" rtl="0">
+              <a:spcBef>
+                <a:spcPts val="0"/>
+              </a:spcBef>
+              <a:buClr>
+                <a:schemeClr val="dk1"/>
+              </a:buClr>
+              <a:buSzPct val="100000"/>
+              <a:buFont typeface="Arial" panose="020B0604020202020204" pitchFamily="34" charset="0"/>
+              <a:buChar char="•"/>
+            </a:pPr>
+            <a:r>
+              <a:rPr lang="pt-PT" sz="1400" dirty="0">
+                <a:solidFill>
+                  <a:schemeClr val="dk1"/>
+                </a:solidFill>
+              </a:rPr>
+              <a:t>Impostas na decisão dos relacionamentos entre tabelas</a:t>
+            </a:r>
+          </a:p>
+          <a:p>
+            <a:pPr lvl="0" rtl="0">
+              <a:spcBef>
+                <a:spcPts val="0"/>
+              </a:spcBef>
+              <a:buNone/>
+            </a:pPr>
+            <a:endParaRPr sz="1400" dirty="0">
+              <a:solidFill>
+                <a:schemeClr val="dk1"/>
+              </a:solidFill>
+            </a:endParaRPr>
+          </a:p>
+          <a:p>
+            <a:pPr lvl="0" rtl="0">
+              <a:spcBef>
+                <a:spcPts val="0"/>
+              </a:spcBef>
+              <a:buClr>
+                <a:schemeClr val="dk1"/>
+              </a:buClr>
+              <a:buSzPct val="78571"/>
+              <a:buFont typeface="Arial"/>
+              <a:buNone/>
+            </a:pPr>
+            <a:r>
+              <a:rPr lang="pt-PT" sz="1400" b="1" dirty="0">
+                <a:solidFill>
+                  <a:schemeClr val="dk1"/>
+                </a:solidFill>
+              </a:rPr>
+              <a:t>		</a:t>
+            </a:r>
+          </a:p>
+          <a:p>
+            <a:pPr lvl="0" indent="457200" rtl="0">
+              <a:spcBef>
+                <a:spcPts val="0"/>
+              </a:spcBef>
+              <a:buNone/>
+            </a:pPr>
+            <a:endParaRPr sz="1400" dirty="0">
+              <a:solidFill>
+                <a:srgbClr val="000000"/>
+              </a:solidFill>
+            </a:endParaRPr>
+          </a:p>
+          <a:p>
+            <a:pPr marL="0" lvl="0" indent="0" rtl="0">
+              <a:spcBef>
+                <a:spcPts val="0"/>
+              </a:spcBef>
+              <a:buNone/>
+            </a:pPr>
+            <a:endParaRPr sz="1400" dirty="0">
+              <a:solidFill>
+                <a:srgbClr val="000000"/>
+              </a:solidFill>
+            </a:endParaRPr>
+          </a:p>
+          <a:p>
+            <a:pPr lvl="0" rtl="0">
+              <a:spcBef>
+                <a:spcPts val="0"/>
+              </a:spcBef>
+              <a:buNone/>
+            </a:pPr>
+            <a:endParaRPr sz="1400" b="1" dirty="0">
+              <a:solidFill>
+                <a:srgbClr val="000000"/>
+              </a:solidFill>
+            </a:endParaRPr>
+          </a:p>
+          <a:p>
+            <a:pPr lvl="0" rtl="0">
+              <a:spcBef>
+                <a:spcPts val="0"/>
+              </a:spcBef>
+              <a:buNone/>
+            </a:pPr>
+            <a:endParaRPr sz="1400" b="1" dirty="0">
+              <a:solidFill>
+                <a:srgbClr val="000000"/>
+              </a:solidFill>
+            </a:endParaRPr>
+          </a:p>
+          <a:p>
+            <a:pPr lvl="0" rtl="0">
+              <a:spcBef>
+                <a:spcPts val="0"/>
+              </a:spcBef>
+              <a:buNone/>
+            </a:pPr>
+            <a:endParaRPr sz="1400" b="1" dirty="0">
+              <a:solidFill>
+                <a:srgbClr val="000000"/>
+              </a:solidFill>
+            </a:endParaRPr>
+          </a:p>
+          <a:p>
+            <a:pPr lvl="0" rtl="0">
+              <a:spcBef>
+                <a:spcPts val="0"/>
+              </a:spcBef>
+              <a:buNone/>
+            </a:pPr>
+            <a:endParaRPr sz="1400" b="1" dirty="0">
+              <a:solidFill>
+                <a:srgbClr val="000000"/>
+              </a:solidFill>
+            </a:endParaRPr>
+          </a:p>
+          <a:p>
+            <a:pPr lvl="0" rtl="0">
+              <a:spcBef>
+                <a:spcPts val="0"/>
+              </a:spcBef>
+              <a:buNone/>
+            </a:pPr>
+            <a:endParaRPr sz="1400" b="1" dirty="0">
+              <a:solidFill>
+                <a:srgbClr val="000000"/>
+              </a:solidFill>
+            </a:endParaRPr>
+          </a:p>
+          <a:p>
+            <a:pPr lvl="0" rtl="0">
+              <a:spcBef>
+                <a:spcPts val="0"/>
+              </a:spcBef>
+              <a:buNone/>
+            </a:pPr>
+            <a:endParaRPr sz="2400" b="1" dirty="0">
+              <a:solidFill>
+                <a:srgbClr val="000000"/>
+              </a:solidFill>
+            </a:endParaRPr>
+          </a:p>
+        </p:txBody>
+      </p:sp>
+      <p:sp>
+        <p:nvSpPr>
+          <p:cNvPr id="253" name="Shape 253"/>
+          <p:cNvSpPr txBox="1">
+            <a:spLocks noGrp="1"/>
+          </p:cNvSpPr>
+          <p:nvPr>
+            <p:ph type="title"/>
+          </p:nvPr>
+        </p:nvSpPr>
+        <p:spPr>
+          <a:xfrm>
+            <a:off x="457200" y="205978"/>
+            <a:ext cx="8229600" cy="994200"/>
+          </a:xfrm>
+          <a:prstGeom prst="rect">
+            <a:avLst/>
+          </a:prstGeom>
+        </p:spPr>
+        <p:txBody>
+          <a:bodyPr lIns="91425" tIns="91425" rIns="91425" bIns="91425" anchor="b" anchorCtr="0">
+            <a:noAutofit/>
+          </a:bodyPr>
+          <a:lstStyle/>
+          <a:p>
+            <a:pPr lvl="0" rtl="0">
+              <a:spcBef>
+                <a:spcPts val="0"/>
+              </a:spcBef>
+              <a:buNone/>
+            </a:pPr>
+            <a:r>
+              <a:rPr lang="pt-PT" sz="3600">
+                <a:solidFill>
+                  <a:srgbClr val="FFFFFF"/>
+                </a:solidFill>
+              </a:rPr>
+              <a:t>Modelação Lógica</a:t>
+            </a:r>
+          </a:p>
+        </p:txBody>
+      </p:sp>
+      <p:sp>
+        <p:nvSpPr>
+          <p:cNvPr id="254" name="Shape 254"/>
+          <p:cNvSpPr txBox="1">
+            <a:spLocks noGrp="1"/>
+          </p:cNvSpPr>
+          <p:nvPr>
+            <p:ph type="sldNum" idx="12"/>
+          </p:nvPr>
+        </p:nvSpPr>
+        <p:spPr>
+          <a:xfrm>
+            <a:off x="8556791" y="4749850"/>
+            <a:ext cx="548699" cy="393600"/>
+          </a:xfrm>
+          <a:prstGeom prst="rect">
+            <a:avLst/>
+          </a:prstGeom>
+        </p:spPr>
+        <p:txBody>
+          <a:bodyPr lIns="91425" tIns="91425" rIns="91425" bIns="91425" anchor="ctr" anchorCtr="0">
+            <a:noAutofit/>
+          </a:bodyPr>
+          <a:lstStyle/>
+          <a:p>
+            <a:pPr lvl="0" rtl="0">
+              <a:spcBef>
+                <a:spcPts val="0"/>
+              </a:spcBef>
+              <a:buNone/>
+            </a:pPr>
+            <a:fld id="{00000000-1234-1234-1234-123412341234}" type="slidenum">
+              <a:rPr lang="pt-PT"/>
+              <a:t>19</a:t>
+            </a:fld>
+            <a:endParaRPr lang="pt-PT"/>
+          </a:p>
+        </p:txBody>
+      </p:sp>
+      <p:sp>
+        <p:nvSpPr>
+          <p:cNvPr id="255" name="Shape 255"/>
+          <p:cNvSpPr txBox="1"/>
+          <p:nvPr/>
+        </p:nvSpPr>
+        <p:spPr>
+          <a:xfrm>
+            <a:off x="669900" y="4749850"/>
+            <a:ext cx="7804199" cy="250499"/>
+          </a:xfrm>
+          <a:prstGeom prst="rect">
+            <a:avLst/>
+          </a:prstGeom>
+          <a:noFill/>
+          <a:ln>
+            <a:noFill/>
+          </a:ln>
+        </p:spPr>
+        <p:txBody>
+          <a:bodyPr lIns="91425" tIns="91425" rIns="91425" bIns="91425" anchor="t" anchorCtr="0">
+            <a:noAutofit/>
+          </a:bodyPr>
+          <a:lstStyle/>
+          <a:p>
+            <a:pPr lvl="0" rtl="0">
+              <a:spcBef>
+                <a:spcPts val="0"/>
+              </a:spcBef>
+              <a:buNone/>
+            </a:pPr>
+            <a:r>
+              <a:rPr lang="pt-PT" sz="1100" i="1"/>
+              <a:t>Grupo 8,Unidade Curricular de </a:t>
+            </a:r>
+            <a:r>
+              <a:rPr lang="pt-PT" sz="1100" i="1">
+                <a:solidFill>
+                  <a:schemeClr val="dk1"/>
+                </a:solidFill>
+              </a:rPr>
+              <a:t>Base de Dados,</a:t>
+            </a:r>
+            <a:r>
+              <a:rPr lang="pt-PT" sz="1100" i="1"/>
+              <a:t> Gestão de Dados - Biblioteca</a:t>
+            </a:r>
+          </a:p>
+        </p:txBody>
+      </p:sp>
+    </p:spTree>
+    <p:extLst>
+      <p:ext uri="{BB962C8B-B14F-4D97-AF65-F5344CB8AC3E}">
+        <p14:creationId xmlns:p14="http://schemas.microsoft.com/office/powerpoint/2010/main" val="2607890393"/>
+      </p:ext>
+    </p:extLst>
   </p:cSld>
   <p:clrMapOvr>
     <a:masterClrMapping/>
@@ -17653,546 +17881,6 @@
   <p:cSld>
     <p:spTree>
       <p:nvGrpSpPr>
-        <p:cNvPr id="1" name="Shape 251"/>
-        <p:cNvGrpSpPr/>
-        <p:nvPr/>
-      </p:nvGrpSpPr>
-      <p:grpSpPr>
-        <a:xfrm>
-          <a:off x="0" y="0"/>
-          <a:ext cx="0" cy="0"/>
-          <a:chOff x="0" y="0"/>
-          <a:chExt cx="0" cy="0"/>
-        </a:xfrm>
-      </p:grpSpPr>
-      <p:sp>
-        <p:nvSpPr>
-          <p:cNvPr id="252" name="Shape 252"/>
-          <p:cNvSpPr txBox="1">
-            <a:spLocks noGrp="1"/>
-          </p:cNvSpPr>
-          <p:nvPr>
-            <p:ph type="body" idx="1"/>
-          </p:nvPr>
-        </p:nvSpPr>
-        <p:spPr>
-          <a:xfrm>
-            <a:off x="457200" y="1244242"/>
-            <a:ext cx="8229600" cy="3630300"/>
-          </a:xfrm>
-          <a:prstGeom prst="rect">
-            <a:avLst/>
-          </a:prstGeom>
-        </p:spPr>
-        <p:txBody>
-          <a:bodyPr lIns="91425" tIns="91425" rIns="91425" bIns="91425" anchor="t" anchorCtr="0">
-            <a:noAutofit/>
-          </a:bodyPr>
-          <a:lstStyle/>
-          <a:p>
-            <a:pPr lvl="0" rtl="0">
-              <a:spcBef>
-                <a:spcPts val="0"/>
-              </a:spcBef>
-              <a:buNone/>
-            </a:pPr>
-            <a:r>
-              <a:rPr lang="pt-PT" sz="2400" b="1" dirty="0">
-                <a:solidFill>
-                  <a:srgbClr val="000000"/>
-                </a:solidFill>
-              </a:rPr>
-              <a:t>Restrições de Integridade</a:t>
-            </a:r>
-          </a:p>
-          <a:p>
-            <a:pPr lvl="0" rtl="0">
-              <a:spcBef>
-                <a:spcPts val="0"/>
-              </a:spcBef>
-              <a:buNone/>
-            </a:pPr>
-            <a:endParaRPr sz="1400" b="1" dirty="0">
-              <a:solidFill>
-                <a:srgbClr val="000000"/>
-              </a:solidFill>
-            </a:endParaRPr>
-          </a:p>
-          <a:p>
-            <a:pPr marL="0" lvl="0" indent="0" rtl="0">
-              <a:spcBef>
-                <a:spcPts val="0"/>
-              </a:spcBef>
-              <a:buNone/>
-            </a:pPr>
-            <a:r>
-              <a:rPr lang="pt-PT" sz="1800" b="1" dirty="0">
-                <a:solidFill>
-                  <a:srgbClr val="000000"/>
-                </a:solidFill>
-              </a:rPr>
-              <a:t>Integridade de Entidade</a:t>
-            </a:r>
-          </a:p>
-          <a:p>
-            <a:pPr lvl="0" rtl="0">
-              <a:spcBef>
-                <a:spcPts val="0"/>
-              </a:spcBef>
-              <a:buNone/>
-            </a:pPr>
-            <a:endParaRPr sz="1400" b="1" dirty="0">
-              <a:solidFill>
-                <a:srgbClr val="000000"/>
-              </a:solidFill>
-            </a:endParaRPr>
-          </a:p>
-          <a:p>
-            <a:pPr marL="457200" lvl="0" indent="-317500" rtl="0">
-              <a:spcBef>
-                <a:spcPts val="0"/>
-              </a:spcBef>
-              <a:buClr>
-                <a:srgbClr val="000000"/>
-              </a:buClr>
-              <a:buSzPct val="100000"/>
-              <a:buFont typeface="Arial" panose="020B0604020202020204" pitchFamily="34" charset="0"/>
-              <a:buChar char="•"/>
-            </a:pPr>
-            <a:r>
-              <a:rPr lang="pt-PT" sz="1400" dirty="0">
-                <a:solidFill>
-                  <a:srgbClr val="000000"/>
-                </a:solidFill>
-              </a:rPr>
-              <a:t>Valores de chave primária não </a:t>
-            </a:r>
-            <a:r>
-              <a:rPr lang="pt-PT" sz="1400" dirty="0" smtClean="0">
-                <a:solidFill>
-                  <a:srgbClr val="000000"/>
-                </a:solidFill>
-              </a:rPr>
-              <a:t>nulos</a:t>
-            </a:r>
-            <a:endParaRPr sz="600" dirty="0">
-              <a:solidFill>
-                <a:srgbClr val="000000"/>
-              </a:solidFill>
-            </a:endParaRPr>
-          </a:p>
-          <a:p>
-            <a:pPr marL="457200" lvl="0" indent="-317500" rtl="0">
-              <a:spcBef>
-                <a:spcPts val="0"/>
-              </a:spcBef>
-              <a:buClr>
-                <a:srgbClr val="000000"/>
-              </a:buClr>
-              <a:buSzPct val="100000"/>
-              <a:buFont typeface="Arial" panose="020B0604020202020204" pitchFamily="34" charset="0"/>
-              <a:buChar char="•"/>
-            </a:pPr>
-            <a:r>
-              <a:rPr lang="pt-PT" sz="1400" dirty="0">
-                <a:solidFill>
-                  <a:srgbClr val="000000"/>
-                </a:solidFill>
-              </a:rPr>
-              <a:t>Não existem valores de chaves primárias </a:t>
-            </a:r>
-            <a:r>
-              <a:rPr lang="pt-PT" sz="1400" dirty="0" smtClean="0">
-                <a:solidFill>
-                  <a:srgbClr val="000000"/>
-                </a:solidFill>
-              </a:rPr>
-              <a:t>iguais</a:t>
-            </a:r>
-          </a:p>
-          <a:p>
-            <a:pPr marL="457200" lvl="0" indent="-317500" rtl="0">
-              <a:spcBef>
-                <a:spcPts val="0"/>
-              </a:spcBef>
-              <a:buClr>
-                <a:srgbClr val="000000"/>
-              </a:buClr>
-              <a:buSzPct val="100000"/>
-              <a:buFont typeface="Arial" panose="020B0604020202020204" pitchFamily="34" charset="0"/>
-              <a:buChar char="•"/>
-            </a:pPr>
-            <a:r>
-              <a:rPr lang="pt-PT" sz="1400" dirty="0" smtClean="0">
-                <a:solidFill>
-                  <a:srgbClr val="000000"/>
-                </a:solidFill>
-              </a:rPr>
-              <a:t>Garantida pelo SGBD</a:t>
-            </a:r>
-            <a:endParaRPr lang="pt-PT" sz="1400" dirty="0">
-              <a:solidFill>
-                <a:srgbClr val="000000"/>
-              </a:solidFill>
-            </a:endParaRPr>
-          </a:p>
-          <a:p>
-            <a:pPr lvl="0" indent="457200" rtl="0">
-              <a:spcBef>
-                <a:spcPts val="0"/>
-              </a:spcBef>
-              <a:buNone/>
-            </a:pPr>
-            <a:endParaRPr sz="1400" dirty="0">
-              <a:solidFill>
-                <a:srgbClr val="000000"/>
-              </a:solidFill>
-            </a:endParaRPr>
-          </a:p>
-          <a:p>
-            <a:pPr marL="0" lvl="0" indent="0" rtl="0">
-              <a:spcBef>
-                <a:spcPts val="0"/>
-              </a:spcBef>
-              <a:buNone/>
-            </a:pPr>
-            <a:r>
-              <a:rPr lang="pt-PT" sz="1800" b="1" dirty="0">
-                <a:solidFill>
-                  <a:schemeClr val="dk1"/>
-                </a:solidFill>
-              </a:rPr>
-              <a:t>Restrições de Multiplicidade</a:t>
-            </a:r>
-          </a:p>
-          <a:p>
-            <a:pPr lvl="0" rtl="0">
-              <a:spcBef>
-                <a:spcPts val="0"/>
-              </a:spcBef>
-              <a:buNone/>
-            </a:pPr>
-            <a:endParaRPr sz="1400" b="1" dirty="0">
-              <a:solidFill>
-                <a:schemeClr val="dk1"/>
-              </a:solidFill>
-            </a:endParaRPr>
-          </a:p>
-          <a:p>
-            <a:pPr marL="457200" lvl="0" indent="-311150" rtl="0">
-              <a:spcBef>
-                <a:spcPts val="0"/>
-              </a:spcBef>
-              <a:buClr>
-                <a:schemeClr val="dk1"/>
-              </a:buClr>
-              <a:buSzPct val="100000"/>
-              <a:buFont typeface="Arial" panose="020B0604020202020204" pitchFamily="34" charset="0"/>
-              <a:buChar char="•"/>
-            </a:pPr>
-            <a:r>
-              <a:rPr lang="pt-PT" sz="1400" dirty="0">
-                <a:solidFill>
-                  <a:schemeClr val="dk1"/>
-                </a:solidFill>
-              </a:rPr>
-              <a:t>Impostas na decisão dos relacionamentos entre tabelas</a:t>
-            </a:r>
-          </a:p>
-          <a:p>
-            <a:pPr lvl="0" rtl="0">
-              <a:spcBef>
-                <a:spcPts val="0"/>
-              </a:spcBef>
-              <a:buNone/>
-            </a:pPr>
-            <a:endParaRPr sz="1400" dirty="0">
-              <a:solidFill>
-                <a:schemeClr val="dk1"/>
-              </a:solidFill>
-            </a:endParaRPr>
-          </a:p>
-          <a:p>
-            <a:pPr lvl="0" rtl="0">
-              <a:spcBef>
-                <a:spcPts val="0"/>
-              </a:spcBef>
-              <a:buClr>
-                <a:schemeClr val="dk1"/>
-              </a:buClr>
-              <a:buSzPct val="78571"/>
-              <a:buFont typeface="Arial"/>
-              <a:buNone/>
-            </a:pPr>
-            <a:r>
-              <a:rPr lang="pt-PT" sz="1400" b="1" dirty="0">
-                <a:solidFill>
-                  <a:schemeClr val="dk1"/>
-                </a:solidFill>
-              </a:rPr>
-              <a:t>		</a:t>
-            </a:r>
-          </a:p>
-          <a:p>
-            <a:pPr lvl="0" indent="457200" rtl="0">
-              <a:spcBef>
-                <a:spcPts val="0"/>
-              </a:spcBef>
-              <a:buNone/>
-            </a:pPr>
-            <a:endParaRPr sz="1400" dirty="0">
-              <a:solidFill>
-                <a:srgbClr val="000000"/>
-              </a:solidFill>
-            </a:endParaRPr>
-          </a:p>
-          <a:p>
-            <a:pPr marL="0" lvl="0" indent="0" rtl="0">
-              <a:spcBef>
-                <a:spcPts val="0"/>
-              </a:spcBef>
-              <a:buNone/>
-            </a:pPr>
-            <a:endParaRPr sz="1400" dirty="0">
-              <a:solidFill>
-                <a:srgbClr val="000000"/>
-              </a:solidFill>
-            </a:endParaRPr>
-          </a:p>
-          <a:p>
-            <a:pPr lvl="0" rtl="0">
-              <a:spcBef>
-                <a:spcPts val="0"/>
-              </a:spcBef>
-              <a:buNone/>
-            </a:pPr>
-            <a:endParaRPr sz="1400" b="1" dirty="0">
-              <a:solidFill>
-                <a:srgbClr val="000000"/>
-              </a:solidFill>
-            </a:endParaRPr>
-          </a:p>
-          <a:p>
-            <a:pPr lvl="0" rtl="0">
-              <a:spcBef>
-                <a:spcPts val="0"/>
-              </a:spcBef>
-              <a:buNone/>
-            </a:pPr>
-            <a:endParaRPr sz="1400" b="1" dirty="0">
-              <a:solidFill>
-                <a:srgbClr val="000000"/>
-              </a:solidFill>
-            </a:endParaRPr>
-          </a:p>
-          <a:p>
-            <a:pPr lvl="0" rtl="0">
-              <a:spcBef>
-                <a:spcPts val="0"/>
-              </a:spcBef>
-              <a:buNone/>
-            </a:pPr>
-            <a:endParaRPr sz="1400" b="1" dirty="0">
-              <a:solidFill>
-                <a:srgbClr val="000000"/>
-              </a:solidFill>
-            </a:endParaRPr>
-          </a:p>
-          <a:p>
-            <a:pPr lvl="0" rtl="0">
-              <a:spcBef>
-                <a:spcPts val="0"/>
-              </a:spcBef>
-              <a:buNone/>
-            </a:pPr>
-            <a:endParaRPr sz="1400" b="1" dirty="0">
-              <a:solidFill>
-                <a:srgbClr val="000000"/>
-              </a:solidFill>
-            </a:endParaRPr>
-          </a:p>
-          <a:p>
-            <a:pPr lvl="0" rtl="0">
-              <a:spcBef>
-                <a:spcPts val="0"/>
-              </a:spcBef>
-              <a:buNone/>
-            </a:pPr>
-            <a:endParaRPr sz="1400" b="1" dirty="0">
-              <a:solidFill>
-                <a:srgbClr val="000000"/>
-              </a:solidFill>
-            </a:endParaRPr>
-          </a:p>
-          <a:p>
-            <a:pPr lvl="0" rtl="0">
-              <a:spcBef>
-                <a:spcPts val="0"/>
-              </a:spcBef>
-              <a:buNone/>
-            </a:pPr>
-            <a:endParaRPr sz="2400" b="1" dirty="0">
-              <a:solidFill>
-                <a:srgbClr val="000000"/>
-              </a:solidFill>
-            </a:endParaRPr>
-          </a:p>
-        </p:txBody>
-      </p:sp>
-      <p:sp>
-        <p:nvSpPr>
-          <p:cNvPr id="253" name="Shape 253"/>
-          <p:cNvSpPr txBox="1">
-            <a:spLocks noGrp="1"/>
-          </p:cNvSpPr>
-          <p:nvPr>
-            <p:ph type="title"/>
-          </p:nvPr>
-        </p:nvSpPr>
-        <p:spPr>
-          <a:xfrm>
-            <a:off x="457200" y="205978"/>
-            <a:ext cx="8229600" cy="994200"/>
-          </a:xfrm>
-          <a:prstGeom prst="rect">
-            <a:avLst/>
-          </a:prstGeom>
-        </p:spPr>
-        <p:txBody>
-          <a:bodyPr lIns="91425" tIns="91425" rIns="91425" bIns="91425" anchor="b" anchorCtr="0">
-            <a:noAutofit/>
-          </a:bodyPr>
-          <a:lstStyle/>
-          <a:p>
-            <a:pPr lvl="0" rtl="0">
-              <a:spcBef>
-                <a:spcPts val="0"/>
-              </a:spcBef>
-              <a:buNone/>
-            </a:pPr>
-            <a:r>
-              <a:rPr lang="pt-PT" sz="3600">
-                <a:solidFill>
-                  <a:srgbClr val="FFFFFF"/>
-                </a:solidFill>
-              </a:rPr>
-              <a:t>Modelação Lógica</a:t>
-            </a:r>
-          </a:p>
-        </p:txBody>
-      </p:sp>
-      <p:sp>
-        <p:nvSpPr>
-          <p:cNvPr id="254" name="Shape 254"/>
-          <p:cNvSpPr txBox="1">
-            <a:spLocks noGrp="1"/>
-          </p:cNvSpPr>
-          <p:nvPr>
-            <p:ph type="sldNum" idx="12"/>
-          </p:nvPr>
-        </p:nvSpPr>
-        <p:spPr>
-          <a:xfrm>
-            <a:off x="8556791" y="4749850"/>
-            <a:ext cx="548699" cy="393600"/>
-          </a:xfrm>
-          <a:prstGeom prst="rect">
-            <a:avLst/>
-          </a:prstGeom>
-        </p:spPr>
-        <p:txBody>
-          <a:bodyPr lIns="91425" tIns="91425" rIns="91425" bIns="91425" anchor="ctr" anchorCtr="0">
-            <a:noAutofit/>
-          </a:bodyPr>
-          <a:lstStyle/>
-          <a:p>
-            <a:pPr lvl="0" rtl="0">
-              <a:spcBef>
-                <a:spcPts val="0"/>
-              </a:spcBef>
-              <a:buNone/>
-            </a:pPr>
-            <a:fld id="{00000000-1234-1234-1234-123412341234}" type="slidenum">
-              <a:rPr lang="pt-PT"/>
-              <a:t>20</a:t>
-            </a:fld>
-            <a:endParaRPr lang="pt-PT"/>
-          </a:p>
-        </p:txBody>
-      </p:sp>
-      <p:sp>
-        <p:nvSpPr>
-          <p:cNvPr id="255" name="Shape 255"/>
-          <p:cNvSpPr txBox="1"/>
-          <p:nvPr/>
-        </p:nvSpPr>
-        <p:spPr>
-          <a:xfrm>
-            <a:off x="669900" y="4749850"/>
-            <a:ext cx="7804199" cy="250499"/>
-          </a:xfrm>
-          <a:prstGeom prst="rect">
-            <a:avLst/>
-          </a:prstGeom>
-          <a:noFill/>
-          <a:ln>
-            <a:noFill/>
-          </a:ln>
-        </p:spPr>
-        <p:txBody>
-          <a:bodyPr lIns="91425" tIns="91425" rIns="91425" bIns="91425" anchor="t" anchorCtr="0">
-            <a:noAutofit/>
-          </a:bodyPr>
-          <a:lstStyle/>
-          <a:p>
-            <a:pPr lvl="0" rtl="0">
-              <a:spcBef>
-                <a:spcPts val="0"/>
-              </a:spcBef>
-              <a:buNone/>
-            </a:pPr>
-            <a:r>
-              <a:rPr lang="pt-PT" sz="1100" i="1"/>
-              <a:t>Grupo 8,Unidade Curricular de </a:t>
-            </a:r>
-            <a:r>
-              <a:rPr lang="pt-PT" sz="1100" i="1">
-                <a:solidFill>
-                  <a:schemeClr val="dk1"/>
-                </a:solidFill>
-              </a:rPr>
-              <a:t>Base de Dados,</a:t>
-            </a:r>
-            <a:r>
-              <a:rPr lang="pt-PT" sz="1100" i="1"/>
-              <a:t> Gestão de Dados - Biblioteca</a:t>
-            </a:r>
-          </a:p>
-        </p:txBody>
-      </p:sp>
-    </p:spTree>
-  </p:cSld>
-  <p:clrMapOvr>
-    <a:masterClrMapping/>
-  </p:clrMapOvr>
-  <p:transition spd="slow">
-    <p:cut/>
-  </p:transition>
-  <p:timing>
-    <p:tnLst>
-      <p:par>
-        <p:cTn id="1" dur="indefinite" restart="never" nodeType="tmRoot"/>
-      </p:par>
-    </p:tnLst>
-  </p:timing>
-</p:sld>
-</file>
-
-<file path=ppt/slides/slide21.xml><?xml version="1.0" encoding="utf-8"?>
-<p:sld xmlns:a="http://schemas.openxmlformats.org/drawingml/2006/main" xmlns:r="http://schemas.openxmlformats.org/officeDocument/2006/relationships" xmlns:p="http://schemas.openxmlformats.org/presentationml/2006/main">
-  <p:cSld>
-    <p:spTree>
-      <p:nvGrpSpPr>
         <p:cNvPr id="1" name="Shape 259"/>
         <p:cNvGrpSpPr/>
         <p:nvPr/>
@@ -18509,7 +18197,7 @@
             </a:pPr>
             <a:fld id="{00000000-1234-1234-1234-123412341234}" type="slidenum">
               <a:rPr lang="pt-PT"/>
-              <a:t>21</a:t>
+              <a:t>20</a:t>
             </a:fld>
             <a:endParaRPr lang="pt-PT"/>
           </a:p>
@@ -18583,7 +18271,7 @@
 </p:sld>
 </file>
 
-<file path=ppt/slides/slide22.xml><?xml version="1.0" encoding="utf-8"?>
+<file path=ppt/slides/slide21.xml><?xml version="1.0" encoding="utf-8"?>
 <p:sld xmlns:a="http://schemas.openxmlformats.org/drawingml/2006/main" xmlns:r="http://schemas.openxmlformats.org/officeDocument/2006/relationships" xmlns:p="http://schemas.openxmlformats.org/presentationml/2006/main">
   <p:cSld>
     <p:spTree>
@@ -19100,7 +18788,7 @@
             </a:pPr>
             <a:fld id="{00000000-1234-1234-1234-123412341234}" type="slidenum">
               <a:rPr lang="pt-PT"/>
-              <a:t>22</a:t>
+              <a:t>21</a:t>
             </a:fld>
             <a:endParaRPr lang="pt-PT"/>
           </a:p>
@@ -19480,7 +19168,7 @@
 </p:sld>
 </file>
 
-<file path=ppt/slides/slide23.xml><?xml version="1.0" encoding="utf-8"?>
+<file path=ppt/slides/slide22.xml><?xml version="1.0" encoding="utf-8"?>
 <p:sld xmlns:a="http://schemas.openxmlformats.org/drawingml/2006/main" xmlns:r="http://schemas.openxmlformats.org/officeDocument/2006/relationships" xmlns:p="http://schemas.openxmlformats.org/presentationml/2006/main">
   <p:cSld>
     <p:spTree>
@@ -19579,7 +19267,7 @@
               <a:buChar char="•"/>
             </a:pPr>
             <a:r>
-              <a:rPr lang="pt-PT" sz="1600" dirty="0">
+              <a:rPr lang="pt-PT" sz="1600" b="1" dirty="0">
                 <a:solidFill>
                   <a:srgbClr val="000000"/>
                 </a:solidFill>
@@ -19594,11 +19282,6 @@
               </a:rPr>
               <a:t>MySQL</a:t>
             </a:r>
-            <a:endParaRPr sz="600" dirty="0">
-              <a:solidFill>
-                <a:srgbClr val="000000"/>
-              </a:solidFill>
-            </a:endParaRPr>
           </a:p>
           <a:p>
             <a:pPr marL="457200" lvl="0" indent="-330200" rtl="0">
@@ -19615,22 +19298,11 @@
               <a:buFont typeface="Arial" panose="020B0604020202020204" pitchFamily="34" charset="0"/>
               <a:buChar char="•"/>
             </a:pPr>
-            <a:r>
-              <a:rPr lang="pt-PT" sz="1600" dirty="0">
-                <a:solidFill>
-                  <a:srgbClr val="000000"/>
-                </a:solidFill>
-              </a:rPr>
-              <a:t>Derivação das tabelas do modelo lógico para o </a:t>
-            </a:r>
-            <a:r>
-              <a:rPr lang="pt-PT" sz="1600" dirty="0" smtClean="0">
-                <a:solidFill>
-                  <a:srgbClr val="000000"/>
-                </a:solidFill>
-              </a:rPr>
-              <a:t>físico</a:t>
-            </a:r>
+            <a:endParaRPr sz="500" b="1" dirty="0">
+              <a:solidFill>
+                <a:srgbClr val="000000"/>
+              </a:solidFill>
+            </a:endParaRPr>
           </a:p>
           <a:p>
             <a:pPr marL="457200" lvl="0" indent="-330200" rtl="0">
@@ -19647,11 +19319,22 @@
               <a:buFont typeface="Arial" panose="020B0604020202020204" pitchFamily="34" charset="0"/>
               <a:buChar char="•"/>
             </a:pPr>
-            <a:endParaRPr sz="600" dirty="0">
-              <a:solidFill>
-                <a:srgbClr val="000000"/>
-              </a:solidFill>
-            </a:endParaRPr>
+            <a:r>
+              <a:rPr lang="pt-PT" sz="1600" b="1" dirty="0">
+                <a:solidFill>
+                  <a:srgbClr val="000000"/>
+                </a:solidFill>
+              </a:rPr>
+              <a:t>Derivação das tabelas do modelo lógico para o </a:t>
+            </a:r>
+            <a:r>
+              <a:rPr lang="pt-PT" sz="1600" b="1" dirty="0" smtClean="0">
+                <a:solidFill>
+                  <a:srgbClr val="000000"/>
+                </a:solidFill>
+              </a:rPr>
+              <a:t>físico</a:t>
+            </a:r>
           </a:p>
           <a:p>
             <a:pPr marL="457200" lvl="0" indent="-330200" rtl="0">
@@ -19668,14 +19351,54 @@
               <a:buFont typeface="Arial" panose="020B0604020202020204" pitchFamily="34" charset="0"/>
               <a:buChar char="•"/>
             </a:pPr>
-            <a:r>
-              <a:rPr lang="pt-PT" sz="1600" dirty="0" smtClean="0">
+            <a:endParaRPr sz="600" b="1" dirty="0">
+              <a:solidFill>
+                <a:srgbClr val="000000"/>
+              </a:solidFill>
+            </a:endParaRPr>
+          </a:p>
+          <a:p>
+            <a:pPr marL="457200" lvl="0" indent="-330200" rtl="0">
+              <a:lnSpc>
+                <a:spcPct val="100000"/>
+              </a:lnSpc>
+              <a:spcBef>
+                <a:spcPts val="0"/>
+              </a:spcBef>
+              <a:buClr>
+                <a:srgbClr val="000000"/>
+              </a:buClr>
+              <a:buSzPct val="100000"/>
+              <a:buFont typeface="Arial" panose="020B0604020202020204" pitchFamily="34" charset="0"/>
+              <a:buChar char="•"/>
+            </a:pPr>
+            <a:r>
+              <a:rPr lang="pt-PT" sz="1600" b="1" dirty="0" smtClean="0">
                 <a:solidFill>
                   <a:srgbClr val="000000"/>
                 </a:solidFill>
               </a:rPr>
               <a:t>Integridade de domínio garantida por triggers</a:t>
             </a:r>
+          </a:p>
+          <a:p>
+            <a:pPr marL="127000" lvl="0" rtl="0">
+              <a:lnSpc>
+                <a:spcPct val="100000"/>
+              </a:lnSpc>
+              <a:spcBef>
+                <a:spcPts val="0"/>
+              </a:spcBef>
+              <a:buClr>
+                <a:srgbClr val="000000"/>
+              </a:buClr>
+              <a:buSzPct val="100000"/>
+            </a:pPr>
+            <a:endParaRPr lang="pt-PT" sz="500" b="1" dirty="0" smtClean="0">
+              <a:solidFill>
+                <a:srgbClr val="000000"/>
+              </a:solidFill>
+            </a:endParaRPr>
           </a:p>
           <a:p>
             <a:pPr marL="457200" lvl="0" indent="-330200">
@@ -19686,88 +19409,31 @@
               <a:buChar char="•"/>
             </a:pPr>
             <a:r>
-              <a:rPr lang="pt-BR" sz="1600" dirty="0">
+              <a:rPr lang="pt-BR" sz="1600" b="1" dirty="0">
                 <a:solidFill>
                   <a:srgbClr val="000000"/>
                 </a:solidFill>
               </a:rPr>
-              <a:t>Restrições Gerais:</a:t>
-            </a:r>
-          </a:p>
-          <a:p>
-            <a:pPr lvl="0"/>
-            <a:endParaRPr lang="pt-BR" sz="600" dirty="0">
-              <a:solidFill>
-                <a:srgbClr val="000000"/>
-              </a:solidFill>
-            </a:endParaRPr>
-          </a:p>
-          <a:p>
-            <a:pPr marL="914400" lvl="1" indent="-317500">
+              <a:t>Restrições </a:t>
+            </a:r>
+            <a:r>
+              <a:rPr lang="pt-BR" sz="1600" b="1" dirty="0" smtClean="0">
+                <a:solidFill>
+                  <a:srgbClr val="000000"/>
+                </a:solidFill>
+              </a:rPr>
+              <a:t>gerais garantidas com código SQL das transações</a:t>
+            </a:r>
+          </a:p>
+          <a:p>
+            <a:pPr marL="457200" lvl="0" indent="-330200">
               <a:buClr>
                 <a:srgbClr val="000000"/>
               </a:buClr>
               <a:buFont typeface="Arial" panose="020B0604020202020204" pitchFamily="34" charset="0"/>
               <a:buChar char="•"/>
             </a:pPr>
-            <a:r>
-              <a:rPr lang="pt-BR" sz="1400" dirty="0">
-                <a:solidFill>
-                  <a:srgbClr val="000000"/>
-                </a:solidFill>
-              </a:rPr>
-              <a:t>Número máximo de requisições por utilizador</a:t>
-            </a:r>
-          </a:p>
-          <a:p>
-            <a:pPr marL="914400" lvl="1" indent="-317500">
-              <a:buClr>
-                <a:srgbClr val="000000"/>
-              </a:buClr>
-              <a:buFont typeface="Arial" panose="020B0604020202020204" pitchFamily="34" charset="0"/>
-              <a:buChar char="•"/>
-            </a:pPr>
-            <a:r>
-              <a:rPr lang="pt-BR" sz="1400" dirty="0">
-                <a:solidFill>
-                  <a:srgbClr val="000000"/>
-                </a:solidFill>
-              </a:rPr>
-              <a:t>Utilizador só pode requisitar livros que podem ser requisitados ou que não estejam já reservados por outrem</a:t>
-            </a:r>
-          </a:p>
-          <a:p>
-            <a:pPr marL="914400" lvl="1" indent="-317500">
-              <a:buClr>
-                <a:srgbClr val="000000"/>
-              </a:buClr>
-              <a:buFont typeface="Arial" panose="020B0604020202020204" pitchFamily="34" charset="0"/>
-              <a:buChar char="•"/>
-            </a:pPr>
-            <a:r>
-              <a:rPr lang="pt-BR" sz="1400" dirty="0">
-                <a:solidFill>
-                  <a:srgbClr val="000000"/>
-                </a:solidFill>
-              </a:rPr>
-              <a:t>Utilizador apenas pode efetuar reserva se o exemplar for </a:t>
-            </a:r>
-            <a:r>
-              <a:rPr lang="pt-BR" sz="1400" dirty="0" smtClean="0">
-                <a:solidFill>
-                  <a:srgbClr val="000000"/>
-                </a:solidFill>
-              </a:rPr>
-              <a:t>requisitável</a:t>
-            </a:r>
-          </a:p>
-          <a:p>
-            <a:pPr marL="596900" lvl="1">
-              <a:buClr>
-                <a:srgbClr val="000000"/>
-              </a:buClr>
-            </a:pPr>
-            <a:endParaRPr lang="pt-PT" sz="1600" dirty="0" smtClean="0">
+            <a:endParaRPr lang="pt-PT" sz="500" dirty="0" smtClean="0">
               <a:solidFill>
                 <a:srgbClr val="000000"/>
               </a:solidFill>
@@ -19789,7 +19455,7 @@
               <a:buChar char="•"/>
             </a:pPr>
             <a:r>
-              <a:rPr lang="pt-PT" sz="1600" dirty="0" smtClean="0">
+              <a:rPr lang="pt-PT" sz="1600" b="1" dirty="0" smtClean="0">
                 <a:solidFill>
                   <a:srgbClr val="000000"/>
                 </a:solidFill>
@@ -19895,7 +19561,7 @@
             </a:pPr>
             <a:fld id="{00000000-1234-1234-1234-123412341234}" type="slidenum">
               <a:rPr lang="pt-PT"/>
-              <a:t>23</a:t>
+              <a:t>22</a:t>
             </a:fld>
             <a:endParaRPr lang="pt-PT"/>
           </a:p>
@@ -19952,6 +19618,11 @@
         </p:txBody>
       </p:sp>
     </p:spTree>
+    <p:extLst>
+      <p:ext uri="{BB962C8B-B14F-4D97-AF65-F5344CB8AC3E}">
+        <p14:creationId xmlns:p14="http://schemas.microsoft.com/office/powerpoint/2010/main" val="925741574"/>
+      </p:ext>
+    </p:extLst>
   </p:cSld>
   <p:clrMapOvr>
     <a:masterClrMapping/>
@@ -19969,7 +19640,7 @@
 </p:sld>
 </file>
 
-<file path=ppt/slides/slide24.xml><?xml version="1.0" encoding="utf-8"?>
+<file path=ppt/slides/slide23.xml><?xml version="1.0" encoding="utf-8"?>
 <p:sld xmlns:a="http://schemas.openxmlformats.org/drawingml/2006/main" xmlns:r="http://schemas.openxmlformats.org/officeDocument/2006/relationships" xmlns:p="http://schemas.openxmlformats.org/presentationml/2006/main">
   <p:cSld>
     <p:spTree>
@@ -20059,21 +19730,34 @@
               <a:buChar char="•"/>
             </a:pPr>
             <a:r>
-              <a:rPr lang="pt-BR" sz="1800" dirty="0">
+              <a:rPr lang="pt-BR" sz="1600" b="1" dirty="0">
                 <a:solidFill>
                   <a:srgbClr val="000000"/>
                 </a:solidFill>
               </a:rPr>
-              <a:t>Gerado código SQL para 3 transações relevantes:</a:t>
-            </a:r>
-          </a:p>
-          <a:p>
-            <a:pPr lvl="0">
+              <a:t>Gerado código SQL para </a:t>
+            </a:r>
+            <a:r>
+              <a:rPr lang="pt-BR" sz="1600" b="1" dirty="0" smtClean="0">
+                <a:solidFill>
+                  <a:srgbClr val="000000"/>
+                </a:solidFill>
+              </a:rPr>
+              <a:t>as seguintes transações:</a:t>
+            </a:r>
+          </a:p>
+          <a:p>
+            <a:pPr marL="457200" lvl="0" indent="-342900">
               <a:lnSpc>
                 <a:spcPct val="115000"/>
               </a:lnSpc>
-            </a:pPr>
-            <a:endParaRPr lang="pt-BR" sz="600" dirty="0">
+              <a:buClr>
+                <a:srgbClr val="000000"/>
+              </a:buClr>
+              <a:buFont typeface="Arial" panose="020B0604020202020204" pitchFamily="34" charset="0"/>
+              <a:buChar char="•"/>
+            </a:pPr>
+            <a:endParaRPr lang="pt-BR" sz="1600" b="1" dirty="0" smtClean="0">
               <a:solidFill>
                 <a:srgbClr val="000000"/>
               </a:solidFill>
@@ -20091,12 +19775,12 @@
               <a:buChar char="•"/>
             </a:pPr>
             <a:r>
-              <a:rPr lang="pt-BR" sz="1400" dirty="0">
+              <a:rPr lang="pt-BR" sz="1400" u="sng" dirty="0">
                 <a:solidFill>
                   <a:srgbClr val="000000"/>
                 </a:solidFill>
               </a:rPr>
-              <a:t>Qual(is) a(s) localização(ões) (piso, estante e prateleira) dos exemplares de um livro com determinado título?</a:t>
+              <a:t>Efetuar requisição</a:t>
             </a:r>
           </a:p>
           <a:p>
@@ -20111,12 +19795,20 @@
               <a:buChar char="•"/>
             </a:pPr>
             <a:r>
-              <a:rPr lang="pt-BR" sz="1400" dirty="0">
+              <a:rPr lang="pt-BR" sz="1400" u="sng" dirty="0" smtClean="0">
                 <a:solidFill>
                   <a:srgbClr val="000000"/>
                 </a:solidFill>
               </a:rPr>
-              <a:t>Efetuar requisição</a:t>
+              <a:t>Renovar </a:t>
+            </a:r>
+            <a:r>
+              <a:rPr lang="pt-BR" sz="1400" u="sng" dirty="0" smtClean="0">
+                <a:solidFill>
+                  <a:srgbClr val="000000"/>
+                </a:solidFill>
+              </a:rPr>
+              <a:t>requisição</a:t>
             </a:r>
           </a:p>
           <a:p>
@@ -20131,6 +19823,64 @@
               <a:buChar char="•"/>
             </a:pPr>
             <a:r>
+              <a:rPr lang="pt-BR" sz="1400" u="sng" dirty="0">
+                <a:solidFill>
+                  <a:srgbClr val="000000"/>
+                </a:solidFill>
+              </a:rPr>
+              <a:t>Localizar exemplar segundo o seu </a:t>
+            </a:r>
+            <a:r>
+              <a:rPr lang="pt-BR" sz="1400" u="sng" dirty="0" smtClean="0">
+                <a:solidFill>
+                  <a:srgbClr val="000000"/>
+                </a:solidFill>
+              </a:rPr>
+              <a:t>título</a:t>
+            </a:r>
+            <a:endParaRPr lang="pt-BR" sz="1400" u="sng" dirty="0" smtClean="0">
+              <a:solidFill>
+                <a:srgbClr val="000000"/>
+              </a:solidFill>
+            </a:endParaRPr>
+          </a:p>
+          <a:p>
+            <a:pPr marL="914400" lvl="1" indent="-317500">
+              <a:lnSpc>
+                <a:spcPct val="115000"/>
+              </a:lnSpc>
+              <a:buClr>
+                <a:srgbClr val="000000"/>
+              </a:buClr>
+              <a:buFont typeface="Arial" panose="020B0604020202020204" pitchFamily="34" charset="0"/>
+              <a:buChar char="•"/>
+            </a:pPr>
+            <a:r>
+              <a:rPr lang="pt-BR" sz="1400" dirty="0" smtClean="0">
+                <a:solidFill>
+                  <a:srgbClr val="000000"/>
+                </a:solidFill>
+              </a:rPr>
+              <a:t>Entregar exemplar </a:t>
+            </a:r>
+            <a:endParaRPr lang="pt-BR" sz="1400" dirty="0">
+              <a:solidFill>
+                <a:srgbClr val="000000"/>
+              </a:solidFill>
+            </a:endParaRPr>
+          </a:p>
+          <a:p>
+            <a:pPr marL="914400" lvl="1" indent="-317500">
+              <a:lnSpc>
+                <a:spcPct val="115000"/>
+              </a:lnSpc>
+              <a:buClr>
+                <a:srgbClr val="000000"/>
+              </a:buClr>
+              <a:buFont typeface="Arial" panose="020B0604020202020204" pitchFamily="34" charset="0"/>
+              <a:buChar char="•"/>
+            </a:pPr>
+            <a:r>
               <a:rPr lang="pt-BR" sz="1400" dirty="0">
                 <a:solidFill>
                   <a:srgbClr val="000000"/>
@@ -20145,6 +19895,26 @@
                 </a:solidFill>
               </a:rPr>
               <a:t>reserva</a:t>
+            </a:r>
+          </a:p>
+          <a:p>
+            <a:pPr marL="914400" lvl="1" indent="-317500">
+              <a:lnSpc>
+                <a:spcPct val="115000"/>
+              </a:lnSpc>
+              <a:buClr>
+                <a:srgbClr val="000000"/>
+              </a:buClr>
+              <a:buFont typeface="Arial" panose="020B0604020202020204" pitchFamily="34" charset="0"/>
+              <a:buChar char="•"/>
+            </a:pPr>
+            <a:r>
+              <a:rPr lang="pt-BR" sz="1400" dirty="0" smtClean="0">
+                <a:solidFill>
+                  <a:srgbClr val="000000"/>
+                </a:solidFill>
+              </a:rPr>
+              <a:t>Cancelar uma reserva</a:t>
             </a:r>
           </a:p>
           <a:p>
@@ -20174,7 +19944,7 @@
               <a:buChar char="•"/>
             </a:pPr>
             <a:r>
-              <a:rPr lang="pt-PT" sz="1800" dirty="0" smtClean="0">
+              <a:rPr lang="pt-PT" sz="1600" b="1" dirty="0" smtClean="0">
                 <a:solidFill>
                   <a:srgbClr val="000000"/>
                 </a:solidFill>
@@ -20182,7 +19952,7 @@
               <a:t>Aplicação </a:t>
             </a:r>
             <a:r>
-              <a:rPr lang="pt-PT" sz="1800" dirty="0">
+              <a:rPr lang="pt-PT" sz="1600" b="1" dirty="0">
                 <a:solidFill>
                   <a:srgbClr val="000000"/>
                 </a:solidFill>
@@ -20190,14 +19960,14 @@
               <a:t>das restrições de integridade </a:t>
             </a:r>
             <a:r>
-              <a:rPr lang="pt-PT" sz="1800" dirty="0" smtClean="0">
+              <a:rPr lang="pt-PT" sz="1600" b="1" dirty="0" smtClean="0">
                 <a:solidFill>
                   <a:srgbClr val="000000"/>
                 </a:solidFill>
               </a:rPr>
               <a:t>gerais</a:t>
             </a:r>
-            <a:endParaRPr lang="pt-PT" sz="1800" dirty="0">
+            <a:endParaRPr lang="pt-PT" sz="1600" b="1" dirty="0">
               <a:solidFill>
                 <a:srgbClr val="000000"/>
               </a:solidFill>
@@ -20280,7 +20050,7 @@
             </a:pPr>
             <a:fld id="{00000000-1234-1234-1234-123412341234}" type="slidenum">
               <a:rPr lang="pt-PT"/>
-              <a:t>24</a:t>
+              <a:t>23</a:t>
             </a:fld>
             <a:endParaRPr lang="pt-PT"/>
           </a:p>
@@ -20337,6 +20107,11 @@
         </p:txBody>
       </p:sp>
     </p:spTree>
+    <p:extLst>
+      <p:ext uri="{BB962C8B-B14F-4D97-AF65-F5344CB8AC3E}">
+        <p14:creationId xmlns:p14="http://schemas.microsoft.com/office/powerpoint/2010/main" val="111310209"/>
+      </p:ext>
+    </p:extLst>
   </p:cSld>
   <p:clrMapOvr>
     <a:masterClrMapping/>
@@ -20354,7 +20129,7 @@
 </p:sld>
 </file>
 
-<file path=ppt/slides/slide25.xml><?xml version="1.0" encoding="utf-8"?>
+<file path=ppt/slides/slide24.xml><?xml version="1.0" encoding="utf-8"?>
 <p:sld xmlns:a="http://schemas.openxmlformats.org/drawingml/2006/main" xmlns:r="http://schemas.openxmlformats.org/officeDocument/2006/relationships" xmlns:p="http://schemas.openxmlformats.org/presentationml/2006/main">
   <p:cSld>
     <p:spTree>
@@ -20684,7 +20459,7 @@
             </a:pPr>
             <a:fld id="{00000000-1234-1234-1234-123412341234}" type="slidenum">
               <a:rPr lang="pt-PT"/>
-              <a:t>25</a:t>
+              <a:t>24</a:t>
             </a:fld>
             <a:endParaRPr lang="pt-PT"/>
           </a:p>
@@ -20740,6 +20515,36 @@
           </a:p>
         </p:txBody>
       </p:sp>
+      <p:pic>
+        <p:nvPicPr>
+          <p:cNvPr id="3" name="Picture 2"/>
+          <p:cNvPicPr>
+            <a:picLocks noChangeAspect="1"/>
+          </p:cNvPicPr>
+          <p:nvPr/>
+        </p:nvPicPr>
+        <p:blipFill>
+          <a:blip r:embed="rId3">
+            <a:extLst>
+              <a:ext uri="{28A0092B-C50C-407E-A947-70E740481C1C}">
+                <a14:useLocalDpi xmlns:a14="http://schemas.microsoft.com/office/drawing/2010/main" val="0"/>
+              </a:ext>
+            </a:extLst>
+          </a:blip>
+          <a:stretch>
+            <a:fillRect/>
+          </a:stretch>
+        </p:blipFill>
+        <p:spPr>
+          <a:xfrm>
+            <a:off x="4686300" y="2069921"/>
+            <a:ext cx="4419190" cy="2386528"/>
+          </a:xfrm>
+          <a:prstGeom prst="rect">
+            <a:avLst/>
+          </a:prstGeom>
+        </p:spPr>
+      </p:pic>
     </p:spTree>
   </p:cSld>
   <p:clrMapOvr>
@@ -20758,7 +20563,7 @@
 </p:sld>
 </file>
 
-<file path=ppt/slides/slide26.xml><?xml version="1.0" encoding="utf-8"?>
+<file path=ppt/slides/slide25.xml><?xml version="1.0" encoding="utf-8"?>
 <p:sld xmlns:a="http://schemas.openxmlformats.org/drawingml/2006/main" xmlns:r="http://schemas.openxmlformats.org/officeDocument/2006/relationships" xmlns:p="http://schemas.openxmlformats.org/presentationml/2006/main">
   <p:cSld>
     <p:bg>
@@ -20816,7 +20621,7 @@
             </a:pPr>
             <a:fld id="{00000000-1234-1234-1234-123412341234}" type="slidenum">
               <a:rPr lang="pt-PT"/>
-              <a:t>26</a:t>
+              <a:t>25</a:t>
             </a:fld>
             <a:endParaRPr lang="pt-PT"/>
           </a:p>
@@ -20921,31 +20726,7 @@
                 <a:cs typeface="Trebuchet MS"/>
                 <a:sym typeface="Trebuchet MS"/>
               </a:rPr>
-              <a:t>Permissões </a:t>
-            </a:r>
-            <a:r>
-              <a:rPr lang="pt-PT" sz="2000" dirty="0" smtClean="0">
-                <a:solidFill>
-                  <a:schemeClr val="dk1"/>
-                </a:solidFill>
-                <a:latin typeface="Trebuchet MS"/>
-                <a:ea typeface="Trebuchet MS"/>
-                <a:cs typeface="Trebuchet MS"/>
-                <a:sym typeface="Trebuchet MS"/>
-              </a:rPr>
-              <a:t>de </a:t>
-            </a:r>
-            <a:r>
-              <a:rPr lang="pt-PT" sz="2000" dirty="0" smtClean="0">
-                <a:solidFill>
-                  <a:schemeClr val="dk1"/>
-                </a:solidFill>
-                <a:latin typeface="Trebuchet MS"/>
-                <a:ea typeface="Trebuchet MS"/>
-                <a:cs typeface="Trebuchet MS"/>
-                <a:sym typeface="Trebuchet MS"/>
-              </a:rPr>
-              <a:t>acesso</a:t>
+              <a:t>Permissões de acesso</a:t>
             </a:r>
           </a:p>
           <a:p>
@@ -21047,7 +20828,7 @@
 </p:sld>
 </file>
 
-<file path=ppt/slides/slide27.xml><?xml version="1.0" encoding="utf-8"?>
+<file path=ppt/slides/slide26.xml><?xml version="1.0" encoding="utf-8"?>
 <p:sld xmlns:a="http://schemas.openxmlformats.org/drawingml/2006/main" xmlns:r="http://schemas.openxmlformats.org/officeDocument/2006/relationships" xmlns:p="http://schemas.openxmlformats.org/presentationml/2006/main">
   <p:cSld>
     <p:spTree>
@@ -21430,7 +21211,7 @@
             </a:pPr>
             <a:fld id="{00000000-1234-1234-1234-123412341234}" type="slidenum">
               <a:rPr lang="pt-PT"/>
-              <a:t>27</a:t>
+              <a:t>26</a:t>
             </a:fld>
             <a:endParaRPr lang="pt-PT"/>
           </a:p>
@@ -21496,7 +21277,7 @@
 </p:sld>
 </file>
 
-<file path=ppt/slides/slide28.xml><?xml version="1.0" encoding="utf-8"?>
+<file path=ppt/slides/slide27.xml><?xml version="1.0" encoding="utf-8"?>
 <p:sld xmlns:a="http://schemas.openxmlformats.org/drawingml/2006/main" xmlns:r="http://schemas.openxmlformats.org/officeDocument/2006/relationships" xmlns:p="http://schemas.openxmlformats.org/presentationml/2006/main">
   <p:cSld>
     <p:spTree>
@@ -22454,9 +22235,20 @@
                   <a:srgbClr val="000000"/>
                 </a:solidFill>
               </a:rPr>
-              <a:t>Motivação</a:t>
-            </a:r>
-            <a:endParaRPr lang="pt-PT" sz="2400" b="1" dirty="0">
+              <a:t>Motivação e Objetivos</a:t>
+            </a:r>
+          </a:p>
+          <a:p>
+            <a:pPr lvl="0" rtl="0">
+              <a:lnSpc>
+                <a:spcPct val="100000"/>
+              </a:lnSpc>
+              <a:spcBef>
+                <a:spcPts val="0"/>
+              </a:spcBef>
+              <a:buNone/>
+            </a:pPr>
+            <a:endParaRPr lang="pt-PT" sz="1000" b="1" dirty="0">
               <a:solidFill>
                 <a:srgbClr val="000000"/>
               </a:solidFill>
@@ -22523,37 +22315,6 @@
             </a:r>
           </a:p>
           <a:p>
-            <a:pPr lvl="0" rtl="0">
-              <a:lnSpc>
-                <a:spcPct val="100000"/>
-              </a:lnSpc>
-              <a:spcBef>
-                <a:spcPts val="0"/>
-              </a:spcBef>
-              <a:buNone/>
-            </a:pPr>
-            <a:endParaRPr sz="1800" dirty="0"/>
-          </a:p>
-          <a:p>
-            <a:pPr lvl="0" rtl="0">
-              <a:lnSpc>
-                <a:spcPct val="100000"/>
-              </a:lnSpc>
-              <a:spcBef>
-                <a:spcPts val="0"/>
-              </a:spcBef>
-              <a:buNone/>
-            </a:pPr>
-            <a:r>
-              <a:rPr lang="pt-PT" sz="2400" b="1" dirty="0">
-                <a:solidFill>
-                  <a:srgbClr val="000000"/>
-                </a:solidFill>
-              </a:rPr>
-              <a:t>Objectivos</a:t>
-            </a:r>
-          </a:p>
-          <a:p>
             <a:pPr marL="457200" lvl="0" indent="-342900" rtl="0">
               <a:lnSpc>
                 <a:spcPct val="100000"/>
@@ -22566,8 +22327,12 @@
               <a:buChar char="•"/>
             </a:pPr>
             <a:r>
+              <a:rPr lang="pt-PT" sz="1800" dirty="0" smtClean="0"/>
+              <a:t>Satisfazer </a:t>
+            </a:r>
+            <a:r>
               <a:rPr lang="pt-PT" sz="1800" dirty="0"/>
-              <a:t>Satisfazer os requisitos dos utilizadores</a:t>
+              <a:t>os requisitos dos utilizadores</a:t>
             </a:r>
           </a:p>
           <a:p>
@@ -22716,6 +22481,11 @@
         </p:txBody>
       </p:sp>
     </p:spTree>
+    <p:extLst>
+      <p:ext uri="{BB962C8B-B14F-4D97-AF65-F5344CB8AC3E}">
+        <p14:creationId xmlns:p14="http://schemas.microsoft.com/office/powerpoint/2010/main" val="2011064258"/>
+      </p:ext>
+    </p:extLst>
   </p:cSld>
   <p:clrMapOvr>
     <a:masterClrMapping/>
@@ -24127,7 +23897,23 @@
                   <a:srgbClr val="000000"/>
                 </a:solidFill>
               </a:rPr>
-              <a:t>= {idUser, Tipo, Nome, Email, CC, NroMecanografico, Telefone}</a:t>
+              <a:t>= {</a:t>
+            </a:r>
+            <a:r>
+              <a:rPr lang="pt-PT" sz="1400" u="sng" dirty="0">
+                <a:solidFill>
+                  <a:srgbClr val="000000"/>
+                </a:solidFill>
+              </a:rPr>
+              <a:t>idUser</a:t>
+            </a:r>
+            <a:r>
+              <a:rPr lang="pt-PT" sz="1400" dirty="0">
+                <a:solidFill>
+                  <a:srgbClr val="000000"/>
+                </a:solidFill>
+              </a:rPr>
+              <a:t>, Tipo, Nome, Email, CC, NroMecanografico, Telefone}</a:t>
             </a:r>
           </a:p>
           <a:p>
@@ -24151,7 +23937,23 @@
                   <a:srgbClr val="000000"/>
                 </a:solidFill>
               </a:rPr>
-              <a:t>= {idLivro, Titulo, CodBarras, ISBN, ISSN, Coleccao}</a:t>
+              <a:t>= {</a:t>
+            </a:r>
+            <a:r>
+              <a:rPr lang="pt-PT" sz="1400" u="sng" dirty="0">
+                <a:solidFill>
+                  <a:srgbClr val="000000"/>
+                </a:solidFill>
+              </a:rPr>
+              <a:t>idLivro</a:t>
+            </a:r>
+            <a:r>
+              <a:rPr lang="pt-PT" sz="1400" dirty="0">
+                <a:solidFill>
+                  <a:srgbClr val="000000"/>
+                </a:solidFill>
+              </a:rPr>
+              <a:t>, Titulo, CodBarras, ISBN, ISSN, Coleccao}</a:t>
             </a:r>
           </a:p>
           <a:p>
@@ -24175,7 +23977,23 @@
                   <a:srgbClr val="000000"/>
                 </a:solidFill>
               </a:rPr>
-              <a:t>= {idAutor, PrimeirosNomes, Apelido}</a:t>
+              <a:t>= {</a:t>
+            </a:r>
+            <a:r>
+              <a:rPr lang="pt-PT" sz="1400" u="sng" dirty="0">
+                <a:solidFill>
+                  <a:srgbClr val="000000"/>
+                </a:solidFill>
+              </a:rPr>
+              <a:t>idAutor</a:t>
+            </a:r>
+            <a:r>
+              <a:rPr lang="pt-PT" sz="1400" dirty="0">
+                <a:solidFill>
+                  <a:srgbClr val="000000"/>
+                </a:solidFill>
+              </a:rPr>
+              <a:t>, PrimeirosNomes, Apelido}</a:t>
             </a:r>
           </a:p>
           <a:p>
@@ -24199,7 +24017,23 @@
                   <a:srgbClr val="000000"/>
                 </a:solidFill>
               </a:rPr>
-              <a:t>= {idEditora, Designacao}</a:t>
+              <a:t>= {</a:t>
+            </a:r>
+            <a:r>
+              <a:rPr lang="pt-PT" sz="1400" u="sng" dirty="0">
+                <a:solidFill>
+                  <a:srgbClr val="000000"/>
+                </a:solidFill>
+              </a:rPr>
+              <a:t>idEditora</a:t>
+            </a:r>
+            <a:r>
+              <a:rPr lang="pt-PT" sz="1400" dirty="0">
+                <a:solidFill>
+                  <a:srgbClr val="000000"/>
+                </a:solidFill>
+              </a:rPr>
+              <a:t>, Designacao}</a:t>
             </a:r>
           </a:p>
           <a:p>
@@ -24223,7 +24057,23 @@
                   <a:srgbClr val="000000"/>
                 </a:solidFill>
               </a:rPr>
-              <a:t>= {idRequisicao, DataRequisicao, DataEntrega, Estado, </a:t>
+              <a:t>= {</a:t>
+            </a:r>
+            <a:r>
+              <a:rPr lang="pt-PT" sz="1400" u="sng" dirty="0">
+                <a:solidFill>
+                  <a:srgbClr val="000000"/>
+                </a:solidFill>
+              </a:rPr>
+              <a:t>idRequisicao</a:t>
+            </a:r>
+            <a:r>
+              <a:rPr lang="pt-PT" sz="1400" dirty="0">
+                <a:solidFill>
+                  <a:srgbClr val="000000"/>
+                </a:solidFill>
+              </a:rPr>
+              <a:t>, DataRequisicao, DataEntrega, Estado, </a:t>
             </a:r>
             <a:r>
               <a:rPr lang="pt-PT" sz="1400" dirty="0" smtClean="0">
@@ -24279,7 +24129,23 @@
                   <a:srgbClr val="000000"/>
                 </a:solidFill>
               </a:rPr>
-              <a:t>= {idExemplar, Condicao, Disponibilidade, Localizacao, Livro}</a:t>
+              <a:t>= {</a:t>
+            </a:r>
+            <a:r>
+              <a:rPr lang="pt-PT" sz="1400" u="sng" dirty="0">
+                <a:solidFill>
+                  <a:srgbClr val="000000"/>
+                </a:solidFill>
+              </a:rPr>
+              <a:t>idExemplar</a:t>
+            </a:r>
+            <a:r>
+              <a:rPr lang="pt-PT" sz="1400" dirty="0">
+                <a:solidFill>
+                  <a:srgbClr val="000000"/>
+                </a:solidFill>
+              </a:rPr>
+              <a:t>, Condicao, Disponibilidade, Localizacao, Livro}</a:t>
             </a:r>
           </a:p>
           <a:p>
@@ -24303,7 +24169,23 @@
                   <a:srgbClr val="000000"/>
                 </a:solidFill>
               </a:rPr>
-              <a:t>= {IdLocal, Piso, Estante, Prateleira}</a:t>
+              <a:t>= {</a:t>
+            </a:r>
+            <a:r>
+              <a:rPr lang="pt-PT" sz="1400" u="sng" dirty="0">
+                <a:solidFill>
+                  <a:srgbClr val="000000"/>
+                </a:solidFill>
+              </a:rPr>
+              <a:t>IdLocal</a:t>
+            </a:r>
+            <a:r>
+              <a:rPr lang="pt-PT" sz="1400" dirty="0">
+                <a:solidFill>
+                  <a:srgbClr val="000000"/>
+                </a:solidFill>
+              </a:rPr>
+              <a:t>, Piso, Estante, Prateleira}</a:t>
             </a:r>
           </a:p>
           <a:p>
@@ -24327,7 +24209,23 @@
                   <a:schemeClr val="dk1"/>
                 </a:solidFill>
               </a:rPr>
-              <a:t>= {idColeccao, Designacao}</a:t>
+              <a:t>= {</a:t>
+            </a:r>
+            <a:r>
+              <a:rPr lang="pt-PT" sz="1400" u="sng" dirty="0">
+                <a:solidFill>
+                  <a:schemeClr val="dk1"/>
+                </a:solidFill>
+              </a:rPr>
+              <a:t>idColeccao</a:t>
+            </a:r>
+            <a:r>
+              <a:rPr lang="pt-PT" sz="1400" dirty="0">
+                <a:solidFill>
+                  <a:schemeClr val="dk1"/>
+                </a:solidFill>
+              </a:rPr>
+              <a:t>, Designacao}</a:t>
             </a:r>
           </a:p>
           <a:p>
